--- a/Capstone Project.pptx
+++ b/Capstone Project.pptx
@@ -7,15 +7,14 @@
   <p:sldIdLst>
     <p:sldId id="256" r:id="rId2"/>
     <p:sldId id="269" r:id="rId3"/>
-    <p:sldId id="262" r:id="rId4"/>
-    <p:sldId id="263" r:id="rId5"/>
-    <p:sldId id="264" r:id="rId6"/>
-    <p:sldId id="265" r:id="rId7"/>
-    <p:sldId id="258" r:id="rId8"/>
-    <p:sldId id="266" r:id="rId9"/>
-    <p:sldId id="272" r:id="rId10"/>
-    <p:sldId id="274" r:id="rId11"/>
-    <p:sldId id="267" r:id="rId12"/>
+    <p:sldId id="263" r:id="rId4"/>
+    <p:sldId id="264" r:id="rId5"/>
+    <p:sldId id="265" r:id="rId6"/>
+    <p:sldId id="258" r:id="rId7"/>
+    <p:sldId id="266" r:id="rId8"/>
+    <p:sldId id="272" r:id="rId9"/>
+    <p:sldId id="274" r:id="rId10"/>
+    <p:sldId id="267" r:id="rId11"/>
   </p:sldIdLst>
   <p:sldSz cx="12192000" cy="6858000"/>
   <p:notesSz cx="6858000" cy="9144000"/>
@@ -122,64 +121,10 @@
 </p:presentation>
 </file>
 
-<file path=ppt/revisionInfo.xml><?xml version="1.0" encoding="utf-8"?>
-<p1510:revInfo xmlns:a="http://schemas.openxmlformats.org/drawingml/2006/main" xmlns:r="http://schemas.openxmlformats.org/officeDocument/2006/relationships" xmlns:p1510="http://schemas.microsoft.com/office/powerpoint/2015/10/main">
-  <p1510:revLst>
-    <p1510:client id="{C42ADBAE-B907-4025-BBFC-CE4A6AE4A3CC}" v="12" dt="2024-02-13T15:37:24.757"/>
-  </p1510:revLst>
-</p1510:revInfo>
-</file>
-
-<file path=ppt/changesInfos/changesInfo1.xml><?xml version="1.0" encoding="utf-8"?>
-<pc:chgInfo xmlns:a="http://schemas.openxmlformats.org/drawingml/2006/main" xmlns:r="http://schemas.openxmlformats.org/officeDocument/2006/relationships" xmlns:ac="http://schemas.microsoft.com/office/drawing/2013/main/command" xmlns:pc="http://schemas.microsoft.com/office/powerpoint/2013/main/command">
-  <pc:docChgLst>
-    <pc:chgData name="shivani jaju" userId="1a5ba78ca8ce12b4" providerId="LiveId" clId="{C42ADBAE-B907-4025-BBFC-CE4A6AE4A3CC}"/>
-    <pc:docChg chg="addSld modSld">
-      <pc:chgData name="shivani jaju" userId="1a5ba78ca8ce12b4" providerId="LiveId" clId="{C42ADBAE-B907-4025-BBFC-CE4A6AE4A3CC}" dt="2024-02-13T15:37:24.756" v="12" actId="14100"/>
-      <pc:docMkLst>
-        <pc:docMk/>
-      </pc:docMkLst>
-      <pc:sldChg chg="addSp modSp">
-        <pc:chgData name="shivani jaju" userId="1a5ba78ca8ce12b4" providerId="LiveId" clId="{C42ADBAE-B907-4025-BBFC-CE4A6AE4A3CC}" dt="2024-02-13T15:11:18.693" v="3" actId="14100"/>
-        <pc:sldMkLst>
-          <pc:docMk/>
-          <pc:sldMk cId="1674000901" sldId="260"/>
-        </pc:sldMkLst>
-        <pc:picChg chg="add mod">
-          <ac:chgData name="shivani jaju" userId="1a5ba78ca8ce12b4" providerId="LiveId" clId="{C42ADBAE-B907-4025-BBFC-CE4A6AE4A3CC}" dt="2024-02-13T15:11:18.693" v="3" actId="14100"/>
-          <ac:picMkLst>
-            <pc:docMk/>
-            <pc:sldMk cId="1674000901" sldId="260"/>
-            <ac:picMk id="1026" creationId="{E61D01D6-4F71-56DF-399A-27249B5FF477}"/>
-          </ac:picMkLst>
-        </pc:picChg>
-      </pc:sldChg>
-      <pc:sldChg chg="addSp delSp modSp new">
-        <pc:chgData name="shivani jaju" userId="1a5ba78ca8ce12b4" providerId="LiveId" clId="{C42ADBAE-B907-4025-BBFC-CE4A6AE4A3CC}" dt="2024-02-13T15:37:24.756" v="12" actId="14100"/>
-        <pc:sldMkLst>
-          <pc:docMk/>
-          <pc:sldMk cId="4172866524" sldId="261"/>
-        </pc:sldMkLst>
-        <pc:picChg chg="add del mod">
-          <ac:chgData name="shivani jaju" userId="1a5ba78ca8ce12b4" providerId="LiveId" clId="{C42ADBAE-B907-4025-BBFC-CE4A6AE4A3CC}" dt="2024-02-13T15:37:15.130" v="9" actId="478"/>
-          <ac:picMkLst>
-            <pc:docMk/>
-            <pc:sldMk cId="4172866524" sldId="261"/>
-            <ac:picMk id="2050" creationId="{7A198609-05CF-B16E-C2F2-077848C0B490}"/>
-          </ac:picMkLst>
-        </pc:picChg>
-        <pc:picChg chg="add mod">
-          <ac:chgData name="shivani jaju" userId="1a5ba78ca8ce12b4" providerId="LiveId" clId="{C42ADBAE-B907-4025-BBFC-CE4A6AE4A3CC}" dt="2024-02-13T15:37:24.756" v="12" actId="14100"/>
-          <ac:picMkLst>
-            <pc:docMk/>
-            <pc:sldMk cId="4172866524" sldId="261"/>
-            <ac:picMk id="2052" creationId="{02D6A8E0-4082-390F-AD95-E567534897FD}"/>
-          </ac:picMkLst>
-        </pc:picChg>
-      </pc:sldChg>
-    </pc:docChg>
-  </pc:docChgLst>
-</pc:chgInfo>
+<file path=ppt/commentAuthors.xml><?xml version="1.0" encoding="utf-8"?>
+<p:cmAuthorLst xmlns:a="http://schemas.openxmlformats.org/drawingml/2006/main" xmlns:r="http://schemas.openxmlformats.org/officeDocument/2006/relationships" xmlns:p="http://schemas.openxmlformats.org/presentationml/2006/main">
+  <p:cmAuthor id="1" name="Guest User" initials="" lastIdx="1" clrIdx="0"/>
+</p:cmAuthorLst>
 </file>
 
 <file path=ppt/diagrams/colors1.xml><?xml version="1.0" encoding="utf-8"?>
@@ -5471,13 +5416,6 @@
         </dgm:presLayoutVars>
       </dgm:prSet>
       <dgm:spPr/>
-      <dgm:t>
-        <a:bodyPr/>
-        <a:lstStyle/>
-        <a:p>
-          <a:endParaRPr lang="en-US"/>
-        </a:p>
-      </dgm:t>
     </dgm:pt>
     <dgm:pt modelId="{BA8726CF-C366-47D8-BF89-9DB34A36E3D5}" type="pres">
       <dgm:prSet presAssocID="{EB8765F5-884D-46BA-95AF-76725E6CB126}" presName="horFlow" presStyleCnt="0"/>
@@ -5486,19 +5424,12 @@
     <dgm:pt modelId="{0FC759F3-9AE8-4625-8CD3-2C01375E7257}" type="pres">
       <dgm:prSet presAssocID="{EB8765F5-884D-46BA-95AF-76725E6CB126}" presName="bigChev" presStyleLbl="node1" presStyleIdx="0" presStyleCnt="1" custScaleX="157781"/>
       <dgm:spPr/>
-      <dgm:t>
-        <a:bodyPr/>
-        <a:lstStyle/>
-        <a:p>
-          <a:endParaRPr lang="en-US"/>
-        </a:p>
-      </dgm:t>
     </dgm:pt>
   </dgm:ptLst>
   <dgm:cxnLst>
+    <dgm:cxn modelId="{29C37820-3561-4B2F-A219-D4E0DB818AF7}" type="presOf" srcId="{89767358-A372-4BBF-9268-2B310E0BE70E}" destId="{A67636E1-FE55-44DF-A36B-26E359250923}" srcOrd="0" destOrd="0" presId="urn:microsoft.com/office/officeart/2005/8/layout/lProcess3"/>
     <dgm:cxn modelId="{9DD9DF49-3CB2-403B-912B-1E5871B37AF1}" type="presOf" srcId="{EB8765F5-884D-46BA-95AF-76725E6CB126}" destId="{0FC759F3-9AE8-4625-8CD3-2C01375E7257}" srcOrd="0" destOrd="0" presId="urn:microsoft.com/office/officeart/2005/8/layout/lProcess3"/>
     <dgm:cxn modelId="{5D3FF299-6477-430D-B231-19DAF62C844D}" srcId="{89767358-A372-4BBF-9268-2B310E0BE70E}" destId="{EB8765F5-884D-46BA-95AF-76725E6CB126}" srcOrd="0" destOrd="0" parTransId="{466C1A0B-1726-43D1-A59B-CF35C4C09C6B}" sibTransId="{0F365687-86B7-4649-AD33-E6FC24034136}"/>
-    <dgm:cxn modelId="{29C37820-3561-4B2F-A219-D4E0DB818AF7}" type="presOf" srcId="{89767358-A372-4BBF-9268-2B310E0BE70E}" destId="{A67636E1-FE55-44DF-A36B-26E359250923}" srcOrd="0" destOrd="0" presId="urn:microsoft.com/office/officeart/2005/8/layout/lProcess3"/>
     <dgm:cxn modelId="{07CE34F0-60A2-4621-A14E-BA685EA9211A}" type="presParOf" srcId="{A67636E1-FE55-44DF-A36B-26E359250923}" destId="{BA8726CF-C366-47D8-BF89-9DB34A36E3D5}" srcOrd="0" destOrd="0" presId="urn:microsoft.com/office/officeart/2005/8/layout/lProcess3"/>
     <dgm:cxn modelId="{7E9B5C73-84FD-4C06-A018-02CC5D3AB060}" type="presParOf" srcId="{BA8726CF-C366-47D8-BF89-9DB34A36E3D5}" destId="{0FC759F3-9AE8-4625-8CD3-2C01375E7257}" srcOrd="0" destOrd="0" presId="urn:microsoft.com/office/officeart/2005/8/layout/lProcess3"/>
   </dgm:cxnLst>
@@ -5572,13 +5503,6 @@
         </dgm:presLayoutVars>
       </dgm:prSet>
       <dgm:spPr/>
-      <dgm:t>
-        <a:bodyPr/>
-        <a:lstStyle/>
-        <a:p>
-          <a:endParaRPr lang="en-US"/>
-        </a:p>
-      </dgm:t>
     </dgm:pt>
     <dgm:pt modelId="{7C307F3D-C966-46EF-BE6B-0EB6C631182C}" type="pres">
       <dgm:prSet presAssocID="{77F4DA3D-851E-43EF-860D-58FE48476198}" presName="horFlow" presStyleCnt="0"/>
@@ -5587,19 +5511,12 @@
     <dgm:pt modelId="{ECA97471-497D-4C9D-837F-58AD343674C1}" type="pres">
       <dgm:prSet presAssocID="{77F4DA3D-851E-43EF-860D-58FE48476198}" presName="bigChev" presStyleLbl="node1" presStyleIdx="0" presStyleCnt="1" custScaleX="149332" custLinFactNeighborX="-14699" custLinFactNeighborY="-89785"/>
       <dgm:spPr/>
-      <dgm:t>
-        <a:bodyPr/>
-        <a:lstStyle/>
-        <a:p>
-          <a:endParaRPr lang="en-US"/>
-        </a:p>
-      </dgm:t>
     </dgm:pt>
   </dgm:ptLst>
   <dgm:cxnLst>
-    <dgm:cxn modelId="{C0FC33E6-209A-4F00-8FA6-F61652B7F404}" srcId="{C88B8D38-BCC2-4C2A-9F18-5413B28B34C8}" destId="{77F4DA3D-851E-43EF-860D-58FE48476198}" srcOrd="0" destOrd="0" parTransId="{B2126CAB-A1DF-48FC-AFE0-7047CC1CB8B7}" sibTransId="{08A528A0-67E7-482F-8E83-BCDEBDB54BFC}"/>
     <dgm:cxn modelId="{E6A46151-1ECD-4DA8-84E9-3C6D24403476}" type="presOf" srcId="{77F4DA3D-851E-43EF-860D-58FE48476198}" destId="{ECA97471-497D-4C9D-837F-58AD343674C1}" srcOrd="0" destOrd="0" presId="urn:microsoft.com/office/officeart/2005/8/layout/lProcess3"/>
     <dgm:cxn modelId="{249978B1-4400-45B2-A1CE-05ECD8F3F04A}" type="presOf" srcId="{C88B8D38-BCC2-4C2A-9F18-5413B28B34C8}" destId="{0F43B874-E3D3-417B-9F96-72CC77BA5E2B}" srcOrd="0" destOrd="0" presId="urn:microsoft.com/office/officeart/2005/8/layout/lProcess3"/>
+    <dgm:cxn modelId="{C0FC33E6-209A-4F00-8FA6-F61652B7F404}" srcId="{C88B8D38-BCC2-4C2A-9F18-5413B28B34C8}" destId="{77F4DA3D-851E-43EF-860D-58FE48476198}" srcOrd="0" destOrd="0" parTransId="{B2126CAB-A1DF-48FC-AFE0-7047CC1CB8B7}" sibTransId="{08A528A0-67E7-482F-8E83-BCDEBDB54BFC}"/>
     <dgm:cxn modelId="{FC21D94C-7788-457B-8DB8-3318ED4FFD82}" type="presParOf" srcId="{0F43B874-E3D3-417B-9F96-72CC77BA5E2B}" destId="{7C307F3D-C966-46EF-BE6B-0EB6C631182C}" srcOrd="0" destOrd="0" presId="urn:microsoft.com/office/officeart/2005/8/layout/lProcess3"/>
     <dgm:cxn modelId="{7FF7D3FC-46B8-4F4B-BCE6-72FD69ACA0D7}" type="presParOf" srcId="{7C307F3D-C966-46EF-BE6B-0EB6C631182C}" destId="{ECA97471-497D-4C9D-837F-58AD343674C1}" srcOrd="0" destOrd="0" presId="urn:microsoft.com/office/officeart/2005/8/layout/lProcess3"/>
   </dgm:cxnLst>
@@ -5673,13 +5590,6 @@
         </dgm:presLayoutVars>
       </dgm:prSet>
       <dgm:spPr/>
-      <dgm:t>
-        <a:bodyPr/>
-        <a:lstStyle/>
-        <a:p>
-          <a:endParaRPr lang="en-US"/>
-        </a:p>
-      </dgm:t>
     </dgm:pt>
     <dgm:pt modelId="{914EA351-5C38-4921-B8B9-AB8E0A3193FF}" type="pres">
       <dgm:prSet presAssocID="{5D37103A-5F7F-4015-87B4-EA5FF08403D8}" presName="horFlow" presStyleCnt="0"/>
@@ -5688,19 +5598,12 @@
     <dgm:pt modelId="{C39807D5-C2E5-4DA3-9C57-658ADE8A4CCE}" type="pres">
       <dgm:prSet presAssocID="{5D37103A-5F7F-4015-87B4-EA5FF08403D8}" presName="bigChev" presStyleLbl="node1" presStyleIdx="0" presStyleCnt="1" custScaleX="137450"/>
       <dgm:spPr/>
-      <dgm:t>
-        <a:bodyPr/>
-        <a:lstStyle/>
-        <a:p>
-          <a:endParaRPr lang="en-US"/>
-        </a:p>
-      </dgm:t>
     </dgm:pt>
   </dgm:ptLst>
   <dgm:cxnLst>
     <dgm:cxn modelId="{9E95703F-FD7E-41DD-A923-FB05BF5F0F3E}" type="presOf" srcId="{5D37103A-5F7F-4015-87B4-EA5FF08403D8}" destId="{C39807D5-C2E5-4DA3-9C57-658ADE8A4CCE}" srcOrd="0" destOrd="0" presId="urn:microsoft.com/office/officeart/2005/8/layout/lProcess3"/>
+    <dgm:cxn modelId="{D685F14A-A7F6-4592-90D5-711B25695EA4}" type="presOf" srcId="{F537042B-0876-4CBD-98DC-ECA7BC3A6E36}" destId="{4B8693F5-B391-4506-BF5F-5DA737BB2922}" srcOrd="0" destOrd="0" presId="urn:microsoft.com/office/officeart/2005/8/layout/lProcess3"/>
     <dgm:cxn modelId="{257C72C0-C119-4530-B622-022565DE41FF}" srcId="{F537042B-0876-4CBD-98DC-ECA7BC3A6E36}" destId="{5D37103A-5F7F-4015-87B4-EA5FF08403D8}" srcOrd="0" destOrd="0" parTransId="{179420AF-7433-4B10-B528-67A197BAB8EE}" sibTransId="{E83BFB1D-D820-463B-819D-343DB19B3976}"/>
-    <dgm:cxn modelId="{D685F14A-A7F6-4592-90D5-711B25695EA4}" type="presOf" srcId="{F537042B-0876-4CBD-98DC-ECA7BC3A6E36}" destId="{4B8693F5-B391-4506-BF5F-5DA737BB2922}" srcOrd="0" destOrd="0" presId="urn:microsoft.com/office/officeart/2005/8/layout/lProcess3"/>
     <dgm:cxn modelId="{61EACC28-0CDC-4172-9411-EC81487D9BB5}" type="presParOf" srcId="{4B8693F5-B391-4506-BF5F-5DA737BB2922}" destId="{914EA351-5C38-4921-B8B9-AB8E0A3193FF}" srcOrd="0" destOrd="0" presId="urn:microsoft.com/office/officeart/2005/8/layout/lProcess3"/>
     <dgm:cxn modelId="{FEFE7800-2531-42BA-8C29-C6603554D686}" type="presParOf" srcId="{914EA351-5C38-4921-B8B9-AB8E0A3193FF}" destId="{C39807D5-C2E5-4DA3-9C57-658ADE8A4CCE}" srcOrd="0" destOrd="0" presId="urn:microsoft.com/office/officeart/2005/8/layout/lProcess3"/>
   </dgm:cxnLst>
@@ -5809,24 +5712,10 @@
         </dgm:presLayoutVars>
       </dgm:prSet>
       <dgm:spPr/>
-      <dgm:t>
-        <a:bodyPr/>
-        <a:lstStyle/>
-        <a:p>
-          <a:endParaRPr lang="en-US"/>
-        </a:p>
-      </dgm:t>
     </dgm:pt>
     <dgm:pt modelId="{67749E17-7F8E-436A-B5D8-F10A85871B6B}" type="pres">
       <dgm:prSet presAssocID="{2017AB09-23F1-4CD1-9DEB-6F19C307BA4B}" presName="circ1" presStyleLbl="vennNode1" presStyleIdx="0" presStyleCnt="2" custScaleX="129702"/>
       <dgm:spPr/>
-      <dgm:t>
-        <a:bodyPr/>
-        <a:lstStyle/>
-        <a:p>
-          <a:endParaRPr lang="en-US"/>
-        </a:p>
-      </dgm:t>
     </dgm:pt>
     <dgm:pt modelId="{EC974A0B-31D3-4710-9230-DF02136CAF7D}" type="pres">
       <dgm:prSet presAssocID="{2017AB09-23F1-4CD1-9DEB-6F19C307BA4B}" presName="circ1Tx" presStyleLbl="revTx" presStyleIdx="0" presStyleCnt="0">
@@ -5837,24 +5726,10 @@
         </dgm:presLayoutVars>
       </dgm:prSet>
       <dgm:spPr/>
-      <dgm:t>
-        <a:bodyPr/>
-        <a:lstStyle/>
-        <a:p>
-          <a:endParaRPr lang="en-US"/>
-        </a:p>
-      </dgm:t>
     </dgm:pt>
     <dgm:pt modelId="{4D6A5D0E-A815-4F43-87E4-F50F4A18FD04}" type="pres">
       <dgm:prSet presAssocID="{9C048FA4-1C58-4480-9A80-D2DA36F41315}" presName="circ2" presStyleLbl="vennNode1" presStyleIdx="1" presStyleCnt="2" custScaleX="121334" custLinFactNeighborX="81085" custLinFactNeighborY="-166"/>
       <dgm:spPr/>
-      <dgm:t>
-        <a:bodyPr/>
-        <a:lstStyle/>
-        <a:p>
-          <a:endParaRPr lang="en-US"/>
-        </a:p>
-      </dgm:t>
     </dgm:pt>
     <dgm:pt modelId="{31A2856D-1335-47D4-BF29-336D5A4B43F9}" type="pres">
       <dgm:prSet presAssocID="{9C048FA4-1C58-4480-9A80-D2DA36F41315}" presName="circ2Tx" presStyleLbl="revTx" presStyleIdx="0" presStyleCnt="0">
@@ -5865,22 +5740,15 @@
         </dgm:presLayoutVars>
       </dgm:prSet>
       <dgm:spPr/>
-      <dgm:t>
-        <a:bodyPr/>
-        <a:lstStyle/>
-        <a:p>
-          <a:endParaRPr lang="en-US"/>
-        </a:p>
-      </dgm:t>
     </dgm:pt>
   </dgm:ptLst>
   <dgm:cxnLst>
+    <dgm:cxn modelId="{5B297317-B75B-4E91-8447-36552237A056}" srcId="{343C16B0-99A1-4AFC-8A2B-00DC79B2654C}" destId="{2017AB09-23F1-4CD1-9DEB-6F19C307BA4B}" srcOrd="0" destOrd="0" parTransId="{949EF9DF-EE3F-4BB8-8C22-70B43107213F}" sibTransId="{4420C10B-4C12-43FC-B017-1C724D51DC11}"/>
     <dgm:cxn modelId="{08EF4234-2BF2-49B5-A95C-51BF17ECA9C0}" type="presOf" srcId="{9C048FA4-1C58-4480-9A80-D2DA36F41315}" destId="{31A2856D-1335-47D4-BF29-336D5A4B43F9}" srcOrd="1" destOrd="0" presId="urn:microsoft.com/office/officeart/2005/8/layout/venn1"/>
     <dgm:cxn modelId="{9BEECA68-8503-4EAF-BED5-8A93BD746197}" type="presOf" srcId="{2017AB09-23F1-4CD1-9DEB-6F19C307BA4B}" destId="{67749E17-7F8E-436A-B5D8-F10A85871B6B}" srcOrd="0" destOrd="0" presId="urn:microsoft.com/office/officeart/2005/8/layout/venn1"/>
+    <dgm:cxn modelId="{594ABF4B-3F50-4DC3-B155-00A90AB23B90}" type="presOf" srcId="{343C16B0-99A1-4AFC-8A2B-00DC79B2654C}" destId="{5FE6AF03-8693-4F88-958A-F481D5B79BD2}" srcOrd="0" destOrd="0" presId="urn:microsoft.com/office/officeart/2005/8/layout/venn1"/>
     <dgm:cxn modelId="{515F6D77-24C5-4889-83D6-3565EDA81978}" srcId="{343C16B0-99A1-4AFC-8A2B-00DC79B2654C}" destId="{9C048FA4-1C58-4480-9A80-D2DA36F41315}" srcOrd="1" destOrd="0" parTransId="{39938D4B-37A8-452B-9FD0-EBFDDF5FAFF6}" sibTransId="{3E7C899B-5CB0-4ABF-81BC-8B8338DBD99B}"/>
     <dgm:cxn modelId="{88D787D3-DD5E-4E01-83E3-C2B6DA4F4108}" type="presOf" srcId="{9C048FA4-1C58-4480-9A80-D2DA36F41315}" destId="{4D6A5D0E-A815-4F43-87E4-F50F4A18FD04}" srcOrd="0" destOrd="0" presId="urn:microsoft.com/office/officeart/2005/8/layout/venn1"/>
-    <dgm:cxn modelId="{5B297317-B75B-4E91-8447-36552237A056}" srcId="{343C16B0-99A1-4AFC-8A2B-00DC79B2654C}" destId="{2017AB09-23F1-4CD1-9DEB-6F19C307BA4B}" srcOrd="0" destOrd="0" parTransId="{949EF9DF-EE3F-4BB8-8C22-70B43107213F}" sibTransId="{4420C10B-4C12-43FC-B017-1C724D51DC11}"/>
-    <dgm:cxn modelId="{594ABF4B-3F50-4DC3-B155-00A90AB23B90}" type="presOf" srcId="{343C16B0-99A1-4AFC-8A2B-00DC79B2654C}" destId="{5FE6AF03-8693-4F88-958A-F481D5B79BD2}" srcOrd="0" destOrd="0" presId="urn:microsoft.com/office/officeart/2005/8/layout/venn1"/>
     <dgm:cxn modelId="{94A301E0-E3A8-415E-AC59-77B1901C7765}" type="presOf" srcId="{2017AB09-23F1-4CD1-9DEB-6F19C307BA4B}" destId="{EC974A0B-31D3-4710-9230-DF02136CAF7D}" srcOrd="1" destOrd="0" presId="urn:microsoft.com/office/officeart/2005/8/layout/venn1"/>
     <dgm:cxn modelId="{291BE0B0-65EC-4AF5-99CB-2D15E329E799}" type="presParOf" srcId="{5FE6AF03-8693-4F88-958A-F481D5B79BD2}" destId="{67749E17-7F8E-436A-B5D8-F10A85871B6B}" srcOrd="0" destOrd="0" presId="urn:microsoft.com/office/officeart/2005/8/layout/venn1"/>
     <dgm:cxn modelId="{61E04FD3-D4EA-443A-A8D7-619B02CA6DC5}" type="presParOf" srcId="{5FE6AF03-8693-4F88-958A-F481D5B79BD2}" destId="{EC974A0B-31D3-4710-9230-DF02136CAF7D}" srcOrd="1" destOrd="0" presId="urn:microsoft.com/office/officeart/2005/8/layout/venn1"/>
@@ -5993,24 +5861,10 @@
         </dgm:presLayoutVars>
       </dgm:prSet>
       <dgm:spPr/>
-      <dgm:t>
-        <a:bodyPr/>
-        <a:lstStyle/>
-        <a:p>
-          <a:endParaRPr lang="en-US"/>
-        </a:p>
-      </dgm:t>
     </dgm:pt>
     <dgm:pt modelId="{D1A7ECFC-301A-462E-BB70-2C942D9FD58F}" type="pres">
       <dgm:prSet presAssocID="{EA16D94B-4F4C-4FFA-9901-96355B08810E}" presName="circ1" presStyleLbl="vennNode1" presStyleIdx="0" presStyleCnt="2" custScaleX="151357" custScaleY="100547" custLinFactNeighborX="-47208" custLinFactNeighborY="9317"/>
       <dgm:spPr/>
-      <dgm:t>
-        <a:bodyPr/>
-        <a:lstStyle/>
-        <a:p>
-          <a:endParaRPr lang="en-US"/>
-        </a:p>
-      </dgm:t>
     </dgm:pt>
     <dgm:pt modelId="{16619E91-EF8E-4BEB-8CA9-EA68F0B174B2}" type="pres">
       <dgm:prSet presAssocID="{EA16D94B-4F4C-4FFA-9901-96355B08810E}" presName="circ1Tx" presStyleLbl="revTx" presStyleIdx="0" presStyleCnt="0">
@@ -6021,24 +5875,10 @@
         </dgm:presLayoutVars>
       </dgm:prSet>
       <dgm:spPr/>
-      <dgm:t>
-        <a:bodyPr/>
-        <a:lstStyle/>
-        <a:p>
-          <a:endParaRPr lang="en-US"/>
-        </a:p>
-      </dgm:t>
     </dgm:pt>
     <dgm:pt modelId="{C9B67953-2D56-4DCA-83A2-929032FFFD52}" type="pres">
       <dgm:prSet presAssocID="{12282530-05F2-448B-B97F-9D7397C5B402}" presName="circ2" presStyleLbl="vennNode1" presStyleIdx="1" presStyleCnt="2" custScaleX="147771" custLinFactNeighborX="16916" custLinFactNeighborY="-2018"/>
       <dgm:spPr/>
-      <dgm:t>
-        <a:bodyPr/>
-        <a:lstStyle/>
-        <a:p>
-          <a:endParaRPr lang="en-US"/>
-        </a:p>
-      </dgm:t>
     </dgm:pt>
     <dgm:pt modelId="{7E50FA32-B6D9-481E-B453-B993893BEED6}" type="pres">
       <dgm:prSet presAssocID="{12282530-05F2-448B-B97F-9D7397C5B402}" presName="circ2Tx" presStyleLbl="revTx" presStyleIdx="0" presStyleCnt="0">
@@ -6049,22 +5889,15 @@
         </dgm:presLayoutVars>
       </dgm:prSet>
       <dgm:spPr/>
-      <dgm:t>
-        <a:bodyPr/>
-        <a:lstStyle/>
-        <a:p>
-          <a:endParaRPr lang="en-US"/>
-        </a:p>
-      </dgm:t>
     </dgm:pt>
   </dgm:ptLst>
   <dgm:cxnLst>
-    <dgm:cxn modelId="{B5FE6DA3-EE5E-4971-83BB-DF3C14F2C9A2}" type="presOf" srcId="{EA16D94B-4F4C-4FFA-9901-96355B08810E}" destId="{16619E91-EF8E-4BEB-8CA9-EA68F0B174B2}" srcOrd="1" destOrd="0" presId="urn:microsoft.com/office/officeart/2005/8/layout/venn1"/>
     <dgm:cxn modelId="{31072810-5E61-42D3-81EF-5694FB8EA1DD}" srcId="{006BE893-AF88-4752-835D-92CF448ED312}" destId="{EA16D94B-4F4C-4FFA-9901-96355B08810E}" srcOrd="0" destOrd="0" parTransId="{B522E823-6123-4656-828C-10167B3345ED}" sibTransId="{6A7CE956-5C6F-427E-B886-AF231BBE335C}"/>
     <dgm:cxn modelId="{16BE6356-EADA-459D-BBC7-BF726C0D5C58}" type="presOf" srcId="{EA16D94B-4F4C-4FFA-9901-96355B08810E}" destId="{D1A7ECFC-301A-462E-BB70-2C942D9FD58F}" srcOrd="0" destOrd="0" presId="urn:microsoft.com/office/officeart/2005/8/layout/venn1"/>
-    <dgm:cxn modelId="{A34E53A3-0EAF-49AA-92DA-26C239AA683C}" srcId="{006BE893-AF88-4752-835D-92CF448ED312}" destId="{12282530-05F2-448B-B97F-9D7397C5B402}" srcOrd="1" destOrd="0" parTransId="{E45F93BF-985C-4663-89F7-DC7F0CA2D839}" sibTransId="{F0C5C045-5000-4A67-80DA-786594127C3D}"/>
     <dgm:cxn modelId="{6F96E98B-3E83-464B-8C9C-0E548EA91A8D}" type="presOf" srcId="{12282530-05F2-448B-B97F-9D7397C5B402}" destId="{7E50FA32-B6D9-481E-B453-B993893BEED6}" srcOrd="1" destOrd="0" presId="urn:microsoft.com/office/officeart/2005/8/layout/venn1"/>
     <dgm:cxn modelId="{D708FC98-5FB3-441C-BD7D-7A1D586FD4D3}" type="presOf" srcId="{006BE893-AF88-4752-835D-92CF448ED312}" destId="{81E2F4E8-B953-485D-ABD5-C690A033DC43}" srcOrd="0" destOrd="0" presId="urn:microsoft.com/office/officeart/2005/8/layout/venn1"/>
+    <dgm:cxn modelId="{B5FE6DA3-EE5E-4971-83BB-DF3C14F2C9A2}" type="presOf" srcId="{EA16D94B-4F4C-4FFA-9901-96355B08810E}" destId="{16619E91-EF8E-4BEB-8CA9-EA68F0B174B2}" srcOrd="1" destOrd="0" presId="urn:microsoft.com/office/officeart/2005/8/layout/venn1"/>
+    <dgm:cxn modelId="{A34E53A3-0EAF-49AA-92DA-26C239AA683C}" srcId="{006BE893-AF88-4752-835D-92CF448ED312}" destId="{12282530-05F2-448B-B97F-9D7397C5B402}" srcOrd="1" destOrd="0" parTransId="{E45F93BF-985C-4663-89F7-DC7F0CA2D839}" sibTransId="{F0C5C045-5000-4A67-80DA-786594127C3D}"/>
     <dgm:cxn modelId="{6FB48AC9-83F5-45D1-8933-8763CA1CF10C}" type="presOf" srcId="{12282530-05F2-448B-B97F-9D7397C5B402}" destId="{C9B67953-2D56-4DCA-83A2-929032FFFD52}" srcOrd="0" destOrd="0" presId="urn:microsoft.com/office/officeart/2005/8/layout/venn1"/>
     <dgm:cxn modelId="{4E40F809-ACCC-424A-B0A8-6364BE38333C}" type="presParOf" srcId="{81E2F4E8-B953-485D-ABD5-C690A033DC43}" destId="{D1A7ECFC-301A-462E-BB70-2C942D9FD58F}" srcOrd="0" destOrd="0" presId="urn:microsoft.com/office/officeart/2005/8/layout/venn1"/>
     <dgm:cxn modelId="{860EED4B-0487-42C1-9072-415283744CF7}" type="presParOf" srcId="{81E2F4E8-B953-485D-ABD5-C690A033DC43}" destId="{16619E91-EF8E-4BEB-8CA9-EA68F0B174B2}" srcOrd="1" destOrd="0" presId="urn:microsoft.com/office/officeart/2005/8/layout/venn1"/>
@@ -6175,10 +6008,9 @@
         <a:lstStyle/>
         <a:p>
           <a:r>
-            <a:rPr lang="en-US" dirty="0" smtClean="0"/>
+            <a:rPr lang="en-US" dirty="0"/>
             <a:t>Typescript</a:t>
           </a:r>
-          <a:endParaRPr lang="en-US" dirty="0"/>
         </a:p>
       </dgm:t>
     </dgm:pt>
@@ -6284,7 +6116,7 @@
         <a:lstStyle/>
         <a:p>
           <a:r>
-            <a:rPr lang="en-IN" dirty="0" smtClean="0"/>
+            <a:rPr lang="en-IN" dirty="0"/>
             <a:t>Bootstrap </a:t>
           </a:r>
           <a:endParaRPr lang="en-US" dirty="0"/>
@@ -6321,13 +6153,6 @@
         </dgm:presLayoutVars>
       </dgm:prSet>
       <dgm:spPr/>
-      <dgm:t>
-        <a:bodyPr/>
-        <a:lstStyle/>
-        <a:p>
-          <a:endParaRPr lang="en-US"/>
-        </a:p>
-      </dgm:t>
     </dgm:pt>
     <dgm:pt modelId="{77703538-37CC-448E-B71C-1ABC838697EB}" type="pres">
       <dgm:prSet presAssocID="{8014153E-E776-40EE-898B-D61F95259599}" presName="Name5" presStyleLbl="vennNode1" presStyleIdx="0" presStyleCnt="6">
@@ -6336,13 +6161,6 @@
         </dgm:presLayoutVars>
       </dgm:prSet>
       <dgm:spPr/>
-      <dgm:t>
-        <a:bodyPr/>
-        <a:lstStyle/>
-        <a:p>
-          <a:endParaRPr lang="en-US"/>
-        </a:p>
-      </dgm:t>
     </dgm:pt>
     <dgm:pt modelId="{24DA4A10-83CE-4C92-8B08-9C21AD1098BD}" type="pres">
       <dgm:prSet presAssocID="{F47464CE-E88D-4597-AF4E-2D2156915697}" presName="space" presStyleCnt="0"/>
@@ -6355,13 +6173,6 @@
         </dgm:presLayoutVars>
       </dgm:prSet>
       <dgm:spPr/>
-      <dgm:t>
-        <a:bodyPr/>
-        <a:lstStyle/>
-        <a:p>
-          <a:endParaRPr lang="en-US"/>
-        </a:p>
-      </dgm:t>
     </dgm:pt>
     <dgm:pt modelId="{018FFD7B-DB22-4E28-B576-64882084B255}" type="pres">
       <dgm:prSet presAssocID="{D72BC207-CE8A-40C1-B5B6-83B23DBFC3E7}" presName="space" presStyleCnt="0"/>
@@ -6374,13 +6185,6 @@
         </dgm:presLayoutVars>
       </dgm:prSet>
       <dgm:spPr/>
-      <dgm:t>
-        <a:bodyPr/>
-        <a:lstStyle/>
-        <a:p>
-          <a:endParaRPr lang="en-US"/>
-        </a:p>
-      </dgm:t>
     </dgm:pt>
     <dgm:pt modelId="{2ABCBD42-273A-4C96-9249-F2D5EF490352}" type="pres">
       <dgm:prSet presAssocID="{895EB7FF-AA44-4795-87D0-ACE047F1342A}" presName="space" presStyleCnt="0"/>
@@ -6393,13 +6197,6 @@
         </dgm:presLayoutVars>
       </dgm:prSet>
       <dgm:spPr/>
-      <dgm:t>
-        <a:bodyPr/>
-        <a:lstStyle/>
-        <a:p>
-          <a:endParaRPr lang="en-US"/>
-        </a:p>
-      </dgm:t>
     </dgm:pt>
     <dgm:pt modelId="{E7D95E55-C738-439B-8312-73A2B7E9748B}" type="pres">
       <dgm:prSet presAssocID="{A89C89C1-AE4F-45B5-BC6B-D703318D4F63}" presName="space" presStyleCnt="0"/>
@@ -6412,13 +6209,6 @@
         </dgm:presLayoutVars>
       </dgm:prSet>
       <dgm:spPr/>
-      <dgm:t>
-        <a:bodyPr/>
-        <a:lstStyle/>
-        <a:p>
-          <a:endParaRPr lang="en-US"/>
-        </a:p>
-      </dgm:t>
     </dgm:pt>
     <dgm:pt modelId="{0ADE34C1-C96C-4A51-96BB-65ACC6AB264D}" type="pres">
       <dgm:prSet presAssocID="{5B7A5C6B-9DAA-49B5-AD48-7F8745DA5FCC}" presName="space" presStyleCnt="0"/>
@@ -6431,29 +6221,22 @@
         </dgm:presLayoutVars>
       </dgm:prSet>
       <dgm:spPr/>
-      <dgm:t>
-        <a:bodyPr/>
-        <a:lstStyle/>
-        <a:p>
-          <a:endParaRPr lang="en-US"/>
-        </a:p>
-      </dgm:t>
     </dgm:pt>
   </dgm:ptLst>
   <dgm:cxnLst>
+    <dgm:cxn modelId="{6ADAB300-CEDF-4ED9-AF75-F842F925347D}" type="presOf" srcId="{0B3672B1-FEF3-429D-950F-1D28255B91F3}" destId="{DBDC35B6-6FB9-43D3-87BE-5C7D1BE75885}" srcOrd="0" destOrd="0" presId="urn:microsoft.com/office/officeart/2005/8/layout/venn3"/>
+    <dgm:cxn modelId="{CEB39F06-1E22-46B8-824A-4599D6D1801A}" type="presOf" srcId="{1E2B1477-A9DE-4825-AEA6-597E6E6BF6CA}" destId="{768D45AD-9CBD-4CBE-9F20-87B55B662A8F}" srcOrd="0" destOrd="0" presId="urn:microsoft.com/office/officeart/2005/8/layout/venn3"/>
+    <dgm:cxn modelId="{2CBB130D-69B6-4170-B69D-EBE8AB26FFE5}" srcId="{1E2B1477-A9DE-4825-AEA6-597E6E6BF6CA}" destId="{D1449743-1363-4586-A711-7B23323B2E15}" srcOrd="2" destOrd="0" parTransId="{0D6E6298-A0E2-42FE-9203-9DE9E14E6DA7}" sibTransId="{895EB7FF-AA44-4795-87D0-ACE047F1342A}"/>
+    <dgm:cxn modelId="{596EE510-4C73-4156-B754-A55BFF225799}" srcId="{1E2B1477-A9DE-4825-AEA6-597E6E6BF6CA}" destId="{DD30F503-382B-48A1-9D23-24470F5CF3DF}" srcOrd="1" destOrd="0" parTransId="{AC0B573F-6DA0-4DD0-8BB8-245A4A048B76}" sibTransId="{D72BC207-CE8A-40C1-B5B6-83B23DBFC3E7}"/>
+    <dgm:cxn modelId="{D7E74E37-6675-45DE-8B83-F62477291E6A}" srcId="{1E2B1477-A9DE-4825-AEA6-597E6E6BF6CA}" destId="{8014153E-E776-40EE-898B-D61F95259599}" srcOrd="0" destOrd="0" parTransId="{F3378A6C-4451-4178-83DB-FF90E9A9FF47}" sibTransId="{F47464CE-E88D-4597-AF4E-2D2156915697}"/>
+    <dgm:cxn modelId="{B8D29B6B-6C68-487C-B0C7-5164C5088822}" srcId="{1E2B1477-A9DE-4825-AEA6-597E6E6BF6CA}" destId="{0B3672B1-FEF3-429D-950F-1D28255B91F3}" srcOrd="5" destOrd="0" parTransId="{9351C9B8-5F5A-4D16-A8A6-7B3A953D645B}" sibTransId="{69BB7BD4-6F9F-443B-8872-B26693407233}"/>
+    <dgm:cxn modelId="{AFA45450-74CD-4608-A311-62A6B69D83B2}" type="presOf" srcId="{8014153E-E776-40EE-898B-D61F95259599}" destId="{77703538-37CC-448E-B71C-1ABC838697EB}" srcOrd="0" destOrd="0" presId="urn:microsoft.com/office/officeart/2005/8/layout/venn3"/>
+    <dgm:cxn modelId="{5C94A254-B4BD-4B48-848D-A5A21DD5DE8C}" type="presOf" srcId="{47F68245-3885-49A8-8562-9F39A5D01C74}" destId="{182490E6-B676-4A7C-8D4F-D9B95C0C43F5}" srcOrd="0" destOrd="0" presId="urn:microsoft.com/office/officeart/2005/8/layout/venn3"/>
+    <dgm:cxn modelId="{9B80AF85-A44D-4F75-883B-C6E166A30605}" type="presOf" srcId="{DD30F503-382B-48A1-9D23-24470F5CF3DF}" destId="{71F16798-5526-4DD3-8F41-6D92155E5EC3}" srcOrd="0" destOrd="0" presId="urn:microsoft.com/office/officeart/2005/8/layout/venn3"/>
+    <dgm:cxn modelId="{AB09ECC7-69C0-43EC-8884-0CC800DD4379}" srcId="{1E2B1477-A9DE-4825-AEA6-597E6E6BF6CA}" destId="{47F68245-3885-49A8-8562-9F39A5D01C74}" srcOrd="3" destOrd="0" parTransId="{7ED890F9-0F06-4897-8E39-70D53F07C194}" sibTransId="{A89C89C1-AE4F-45B5-BC6B-D703318D4F63}"/>
     <dgm:cxn modelId="{FE2041CB-D8BD-4A7E-8B36-3EB402D160A7}" type="presOf" srcId="{92B1DD97-8105-4D8B-A9C9-864C1C39E2B5}" destId="{74ED0F1F-7B59-4808-8647-3A51E310F390}" srcOrd="0" destOrd="0" presId="urn:microsoft.com/office/officeart/2005/8/layout/venn3"/>
     <dgm:cxn modelId="{2660BEE7-F72D-4BD8-9175-5B113B03D8AB}" srcId="{1E2B1477-A9DE-4825-AEA6-597E6E6BF6CA}" destId="{92B1DD97-8105-4D8B-A9C9-864C1C39E2B5}" srcOrd="4" destOrd="0" parTransId="{45A6ECDF-99FA-4404-8D4A-C411597405EF}" sibTransId="{5B7A5C6B-9DAA-49B5-AD48-7F8745DA5FCC}"/>
-    <dgm:cxn modelId="{CEB39F06-1E22-46B8-824A-4599D6D1801A}" type="presOf" srcId="{1E2B1477-A9DE-4825-AEA6-597E6E6BF6CA}" destId="{768D45AD-9CBD-4CBE-9F20-87B55B662A8F}" srcOrd="0" destOrd="0" presId="urn:microsoft.com/office/officeart/2005/8/layout/venn3"/>
-    <dgm:cxn modelId="{596EE510-4C73-4156-B754-A55BFF225799}" srcId="{1E2B1477-A9DE-4825-AEA6-597E6E6BF6CA}" destId="{DD30F503-382B-48A1-9D23-24470F5CF3DF}" srcOrd="1" destOrd="0" parTransId="{AC0B573F-6DA0-4DD0-8BB8-245A4A048B76}" sibTransId="{D72BC207-CE8A-40C1-B5B6-83B23DBFC3E7}"/>
-    <dgm:cxn modelId="{AB09ECC7-69C0-43EC-8884-0CC800DD4379}" srcId="{1E2B1477-A9DE-4825-AEA6-597E6E6BF6CA}" destId="{47F68245-3885-49A8-8562-9F39A5D01C74}" srcOrd="3" destOrd="0" parTransId="{7ED890F9-0F06-4897-8E39-70D53F07C194}" sibTransId="{A89C89C1-AE4F-45B5-BC6B-D703318D4F63}"/>
-    <dgm:cxn modelId="{9B80AF85-A44D-4F75-883B-C6E166A30605}" type="presOf" srcId="{DD30F503-382B-48A1-9D23-24470F5CF3DF}" destId="{71F16798-5526-4DD3-8F41-6D92155E5EC3}" srcOrd="0" destOrd="0" presId="urn:microsoft.com/office/officeart/2005/8/layout/venn3"/>
     <dgm:cxn modelId="{65D5BFF5-E056-448B-80E7-550BC85C0E35}" type="presOf" srcId="{D1449743-1363-4586-A711-7B23323B2E15}" destId="{010D61EC-61A0-4581-94F9-5AE834CDA6B8}" srcOrd="0" destOrd="0" presId="urn:microsoft.com/office/officeart/2005/8/layout/venn3"/>
-    <dgm:cxn modelId="{D7E74E37-6675-45DE-8B83-F62477291E6A}" srcId="{1E2B1477-A9DE-4825-AEA6-597E6E6BF6CA}" destId="{8014153E-E776-40EE-898B-D61F95259599}" srcOrd="0" destOrd="0" parTransId="{F3378A6C-4451-4178-83DB-FF90E9A9FF47}" sibTransId="{F47464CE-E88D-4597-AF4E-2D2156915697}"/>
-    <dgm:cxn modelId="{2CBB130D-69B6-4170-B69D-EBE8AB26FFE5}" srcId="{1E2B1477-A9DE-4825-AEA6-597E6E6BF6CA}" destId="{D1449743-1363-4586-A711-7B23323B2E15}" srcOrd="2" destOrd="0" parTransId="{0D6E6298-A0E2-42FE-9203-9DE9E14E6DA7}" sibTransId="{895EB7FF-AA44-4795-87D0-ACE047F1342A}"/>
-    <dgm:cxn modelId="{B8D29B6B-6C68-487C-B0C7-5164C5088822}" srcId="{1E2B1477-A9DE-4825-AEA6-597E6E6BF6CA}" destId="{0B3672B1-FEF3-429D-950F-1D28255B91F3}" srcOrd="5" destOrd="0" parTransId="{9351C9B8-5F5A-4D16-A8A6-7B3A953D645B}" sibTransId="{69BB7BD4-6F9F-443B-8872-B26693407233}"/>
-    <dgm:cxn modelId="{6ADAB300-CEDF-4ED9-AF75-F842F925347D}" type="presOf" srcId="{0B3672B1-FEF3-429D-950F-1D28255B91F3}" destId="{DBDC35B6-6FB9-43D3-87BE-5C7D1BE75885}" srcOrd="0" destOrd="0" presId="urn:microsoft.com/office/officeart/2005/8/layout/venn3"/>
-    <dgm:cxn modelId="{AFA45450-74CD-4608-A311-62A6B69D83B2}" type="presOf" srcId="{8014153E-E776-40EE-898B-D61F95259599}" destId="{77703538-37CC-448E-B71C-1ABC838697EB}" srcOrd="0" destOrd="0" presId="urn:microsoft.com/office/officeart/2005/8/layout/venn3"/>
-    <dgm:cxn modelId="{5C94A254-B4BD-4B48-848D-A5A21DD5DE8C}" type="presOf" srcId="{47F68245-3885-49A8-8562-9F39A5D01C74}" destId="{182490E6-B676-4A7C-8D4F-D9B95C0C43F5}" srcOrd="0" destOrd="0" presId="urn:microsoft.com/office/officeart/2005/8/layout/venn3"/>
     <dgm:cxn modelId="{C764796B-5403-4AC5-99DA-7796109BFD25}" type="presParOf" srcId="{768D45AD-9CBD-4CBE-9F20-87B55B662A8F}" destId="{77703538-37CC-448E-B71C-1ABC838697EB}" srcOrd="0" destOrd="0" presId="urn:microsoft.com/office/officeart/2005/8/layout/venn3"/>
     <dgm:cxn modelId="{609C31B7-49AC-480A-B1E3-71301C7325CE}" type="presParOf" srcId="{768D45AD-9CBD-4CBE-9F20-87B55B662A8F}" destId="{24DA4A10-83CE-4C92-8B08-9C21AD1098BD}" srcOrd="1" destOrd="0" presId="urn:microsoft.com/office/officeart/2005/8/layout/venn3"/>
     <dgm:cxn modelId="{3C4D16A3-CDBF-4D17-9B2C-C29AD89D6162}" type="presParOf" srcId="{768D45AD-9CBD-4CBE-9F20-87B55B662A8F}" destId="{71F16798-5526-4DD3-8F41-6D92155E5EC3}" srcOrd="2" destOrd="0" presId="urn:microsoft.com/office/officeart/2005/8/layout/venn3"/>
@@ -6535,13 +6318,6 @@
         </dgm:presLayoutVars>
       </dgm:prSet>
       <dgm:spPr/>
-      <dgm:t>
-        <a:bodyPr/>
-        <a:lstStyle/>
-        <a:p>
-          <a:endParaRPr lang="en-US"/>
-        </a:p>
-      </dgm:t>
     </dgm:pt>
     <dgm:pt modelId="{C165036C-9614-4A13-9BA5-5C630365094C}" type="pres">
       <dgm:prSet presAssocID="{B07DBD1A-6B3F-41CC-AA61-D089E4180696}" presName="composite" presStyleCnt="0"/>
@@ -6566,13 +6342,6 @@
         </dgm:presLayoutVars>
       </dgm:prSet>
       <dgm:spPr/>
-      <dgm:t>
-        <a:bodyPr/>
-        <a:lstStyle/>
-        <a:p>
-          <a:endParaRPr lang="en-US"/>
-        </a:p>
-      </dgm:t>
     </dgm:pt>
   </dgm:ptLst>
   <dgm:cxnLst>
@@ -6655,7 +6424,7 @@
         </a:bodyPr>
         <a:lstStyle/>
         <a:p>
-          <a:pPr lvl="0" algn="ctr" defTabSz="889000">
+          <a:pPr marL="0" lvl="0" indent="0" algn="ctr" defTabSz="889000">
             <a:lnSpc>
               <a:spcPct val="90000"/>
             </a:lnSpc>
@@ -6665,6 +6434,7 @@
             <a:spcAft>
               <a:spcPct val="35000"/>
             </a:spcAft>
+            <a:buNone/>
           </a:pPr>
           <a:r>
             <a:rPr lang="en-US" sz="2000" kern="1200" dirty="0"/>
@@ -6743,7 +6513,7 @@
         </a:bodyPr>
         <a:lstStyle/>
         <a:p>
-          <a:pPr lvl="0" algn="ctr" defTabSz="844550">
+          <a:pPr marL="0" lvl="0" indent="0" algn="ctr" defTabSz="844550">
             <a:lnSpc>
               <a:spcPct val="90000"/>
             </a:lnSpc>
@@ -6753,6 +6523,7 @@
             <a:spcAft>
               <a:spcPct val="35000"/>
             </a:spcAft>
+            <a:buNone/>
           </a:pPr>
           <a:r>
             <a:rPr lang="en-US" sz="1900" kern="1200" dirty="0"/>
@@ -6831,7 +6602,7 @@
         </a:bodyPr>
         <a:lstStyle/>
         <a:p>
-          <a:pPr lvl="0" algn="ctr" defTabSz="755650">
+          <a:pPr marL="0" lvl="0" indent="0" algn="ctr" defTabSz="755650">
             <a:lnSpc>
               <a:spcPct val="90000"/>
             </a:lnSpc>
@@ -6841,6 +6612,7 @@
             <a:spcAft>
               <a:spcPct val="35000"/>
             </a:spcAft>
+            <a:buNone/>
           </a:pPr>
           <a:r>
             <a:rPr lang="en-US" sz="1700" kern="1200" dirty="0"/>
@@ -6920,7 +6692,7 @@
         </a:bodyPr>
         <a:lstStyle/>
         <a:p>
-          <a:pPr lvl="0" algn="ctr" defTabSz="577850">
+          <a:pPr marL="0" lvl="0" indent="0" algn="ctr" defTabSz="577850">
             <a:lnSpc>
               <a:spcPct val="90000"/>
             </a:lnSpc>
@@ -6930,6 +6702,7 @@
             <a:spcAft>
               <a:spcPct val="35000"/>
             </a:spcAft>
+            <a:buNone/>
           </a:pPr>
           <a:r>
             <a:rPr lang="en-US" sz="1300" kern="1200" dirty="0"/>
@@ -6997,7 +6770,7 @@
         </a:bodyPr>
         <a:lstStyle/>
         <a:p>
-          <a:pPr lvl="0" algn="ctr" defTabSz="577850">
+          <a:pPr marL="0" lvl="0" indent="0" algn="ctr" defTabSz="577850">
             <a:lnSpc>
               <a:spcPct val="90000"/>
             </a:lnSpc>
@@ -7007,6 +6780,7 @@
             <a:spcAft>
               <a:spcPct val="35000"/>
             </a:spcAft>
+            <a:buNone/>
           </a:pPr>
           <a:r>
             <a:rPr lang="en-US" sz="1300" kern="1200" dirty="0"/>
@@ -7086,7 +6860,7 @@
         </a:bodyPr>
         <a:lstStyle/>
         <a:p>
-          <a:pPr lvl="0" algn="ctr" defTabSz="711200">
+          <a:pPr marL="0" lvl="0" indent="0" algn="ctr" defTabSz="711200">
             <a:lnSpc>
               <a:spcPct val="90000"/>
             </a:lnSpc>
@@ -7096,6 +6870,7 @@
             <a:spcAft>
               <a:spcPct val="35000"/>
             </a:spcAft>
+            <a:buNone/>
           </a:pPr>
           <a:r>
             <a:rPr lang="en-US" sz="1600" kern="1200" dirty="0" err="1"/>
@@ -7164,7 +6939,7 @@
         </a:bodyPr>
         <a:lstStyle/>
         <a:p>
-          <a:pPr lvl="0" algn="ctr" defTabSz="622300">
+          <a:pPr marL="0" lvl="0" indent="0" algn="ctr" defTabSz="622300">
             <a:lnSpc>
               <a:spcPct val="90000"/>
             </a:lnSpc>
@@ -7174,6 +6949,7 @@
             <a:spcAft>
               <a:spcPct val="35000"/>
             </a:spcAft>
+            <a:buNone/>
           </a:pPr>
           <a:r>
             <a:rPr lang="en-US" sz="1400" kern="1200" dirty="0"/>
@@ -7253,7 +7029,7 @@
         </a:bodyPr>
         <a:lstStyle/>
         <a:p>
-          <a:pPr lvl="0" algn="ctr" defTabSz="444500">
+          <a:pPr marL="0" lvl="0" indent="0" algn="ctr" defTabSz="444500">
             <a:lnSpc>
               <a:spcPct val="90000"/>
             </a:lnSpc>
@@ -7263,6 +7039,7 @@
             <a:spcAft>
               <a:spcPct val="35000"/>
             </a:spcAft>
+            <a:buNone/>
           </a:pPr>
           <a:r>
             <a:rPr lang="en-US" sz="1000" kern="1200"/>
@@ -7330,7 +7107,7 @@
         </a:bodyPr>
         <a:lstStyle/>
         <a:p>
-          <a:pPr lvl="0" algn="ctr" defTabSz="444500">
+          <a:pPr marL="0" lvl="0" indent="0" algn="ctr" defTabSz="444500">
             <a:lnSpc>
               <a:spcPct val="90000"/>
             </a:lnSpc>
@@ -7340,6 +7117,7 @@
             <a:spcAft>
               <a:spcPct val="35000"/>
             </a:spcAft>
+            <a:buNone/>
           </a:pPr>
           <a:r>
             <a:rPr lang="en-US" sz="1000" kern="1200"/>
@@ -7407,7 +7185,7 @@
         </a:bodyPr>
         <a:lstStyle/>
         <a:p>
-          <a:pPr lvl="0" algn="ctr" defTabSz="444500">
+          <a:pPr marL="0" lvl="0" indent="0" algn="ctr" defTabSz="444500">
             <a:lnSpc>
               <a:spcPct val="90000"/>
             </a:lnSpc>
@@ -7417,12 +7195,12 @@
             <a:spcAft>
               <a:spcPct val="35000"/>
             </a:spcAft>
+            <a:buNone/>
           </a:pPr>
           <a:r>
-            <a:rPr lang="en-US" sz="1000" kern="1200" dirty="0" smtClean="0"/>
+            <a:rPr lang="en-US" sz="1000" kern="1200" dirty="0"/>
             <a:t>Typescript</a:t>
           </a:r>
-          <a:endParaRPr lang="en-US" sz="1000" kern="1200" dirty="0"/>
         </a:p>
       </dsp:txBody>
       <dsp:txXfrm>
@@ -7485,7 +7263,7 @@
         </a:bodyPr>
         <a:lstStyle/>
         <a:p>
-          <a:pPr lvl="0" algn="ctr" defTabSz="444500">
+          <a:pPr marL="0" lvl="0" indent="0" algn="ctr" defTabSz="444500">
             <a:lnSpc>
               <a:spcPct val="90000"/>
             </a:lnSpc>
@@ -7495,6 +7273,7 @@
             <a:spcAft>
               <a:spcPct val="35000"/>
             </a:spcAft>
+            <a:buNone/>
           </a:pPr>
           <a:r>
             <a:rPr lang="en-US" sz="1000" kern="1200" dirty="0"/>
@@ -7562,7 +7341,7 @@
         </a:bodyPr>
         <a:lstStyle/>
         <a:p>
-          <a:pPr lvl="0" algn="ctr" defTabSz="444500">
+          <a:pPr marL="0" lvl="0" indent="0" algn="ctr" defTabSz="444500">
             <a:lnSpc>
               <a:spcPct val="90000"/>
             </a:lnSpc>
@@ -7572,6 +7351,7 @@
             <a:spcAft>
               <a:spcPct val="35000"/>
             </a:spcAft>
+            <a:buNone/>
           </a:pPr>
           <a:r>
             <a:rPr lang="en-US" sz="1000" kern="1200" dirty="0"/>
@@ -7639,7 +7419,7 @@
         </a:bodyPr>
         <a:lstStyle/>
         <a:p>
-          <a:pPr lvl="0" algn="ctr" defTabSz="444500">
+          <a:pPr marL="0" lvl="0" indent="0" algn="ctr" defTabSz="444500">
             <a:lnSpc>
               <a:spcPct val="90000"/>
             </a:lnSpc>
@@ -7649,9 +7429,10 @@
             <a:spcAft>
               <a:spcPct val="35000"/>
             </a:spcAft>
+            <a:buNone/>
           </a:pPr>
           <a:r>
-            <a:rPr lang="en-IN" sz="1000" kern="1200" dirty="0" smtClean="0"/>
+            <a:rPr lang="en-IN" sz="1000" kern="1200" dirty="0"/>
             <a:t>Bootstrap </a:t>
           </a:r>
           <a:endParaRPr lang="en-US" sz="1000" kern="1200" dirty="0"/>
@@ -7728,7 +7509,7 @@
         </a:bodyPr>
         <a:lstStyle/>
         <a:p>
-          <a:pPr lvl="0" algn="ctr" defTabSz="2755900">
+          <a:pPr marL="0" lvl="0" indent="0" algn="ctr" defTabSz="2755900">
             <a:lnSpc>
               <a:spcPct val="90000"/>
             </a:lnSpc>
@@ -7738,6 +7519,7 @@
             <a:spcAft>
               <a:spcPct val="35000"/>
             </a:spcAft>
+            <a:buNone/>
           </a:pPr>
           <a:r>
             <a:rPr lang="en-US" sz="6200" b="0" kern="1200" dirty="0"/>
@@ -8649,7 +8431,7 @@
   <dgm:title val=""/>
   <dgm:desc val=""/>
   <dgm:catLst>
-    <dgm:cat type="relationship" pri="28000"/>
+    <dgm:cat type="relationship" pri="10300"/>
     <dgm:cat type="convert" pri="19000"/>
   </dgm:catLst>
   <dgm:sampData useDef="1">
@@ -9524,7 +9306,7 @@
   <dgm:title val=""/>
   <dgm:desc val=""/>
   <dgm:catLst>
-    <dgm:cat type="relationship" pri="28000"/>
+    <dgm:cat type="relationship" pri="10300"/>
     <dgm:cat type="convert" pri="19000"/>
   </dgm:catLst>
   <dgm:sampData useDef="1">
@@ -10399,7 +10181,7 @@
   <dgm:title val=""/>
   <dgm:desc val=""/>
   <dgm:catLst>
-    <dgm:cat type="relationship" pri="29000"/>
+    <dgm:cat type="relationship" pri="11800"/>
   </dgm:catLst>
   <dgm:sampData>
     <dgm:dataModel>
@@ -18064,7 +17846,7 @@
           <a:p>
             <a:fld id="{A7D14955-FAB2-42E8-AF7E-578CD3D12D05}" type="datetimeFigureOut">
               <a:rPr lang="en-US" smtClean="0"/>
-              <a:t>3/12/2024</a:t>
+              <a:t>4/1/2024</a:t>
             </a:fld>
             <a:endParaRPr lang="en-US"/>
           </a:p>
@@ -18351,7 +18133,7 @@
           <a:p>
             <a:fld id="{A7D14955-FAB2-42E8-AF7E-578CD3D12D05}" type="datetimeFigureOut">
               <a:rPr lang="en-US" smtClean="0"/>
-              <a:t>3/12/2024</a:t>
+              <a:t>4/1/2024</a:t>
             </a:fld>
             <a:endParaRPr lang="en-US"/>
           </a:p>
@@ -18543,7 +18325,7 @@
           <a:p>
             <a:fld id="{A7D14955-FAB2-42E8-AF7E-578CD3D12D05}" type="datetimeFigureOut">
               <a:rPr lang="en-US" smtClean="0"/>
-              <a:t>3/12/2024</a:t>
+              <a:t>4/1/2024</a:t>
             </a:fld>
             <a:endParaRPr lang="en-US"/>
           </a:p>
@@ -18804,7 +18586,7 @@
           <a:p>
             <a:fld id="{A7D14955-FAB2-42E8-AF7E-578CD3D12D05}" type="datetimeFigureOut">
               <a:rPr lang="en-US" smtClean="0"/>
-              <a:t>3/12/2024</a:t>
+              <a:t>4/1/2024</a:t>
             </a:fld>
             <a:endParaRPr lang="en-US"/>
           </a:p>
@@ -19228,7 +19010,7 @@
           <a:p>
             <a:fld id="{A7D14955-FAB2-42E8-AF7E-578CD3D12D05}" type="datetimeFigureOut">
               <a:rPr lang="en-US" smtClean="0"/>
-              <a:t>3/12/2024</a:t>
+              <a:t>4/1/2024</a:t>
             </a:fld>
             <a:endParaRPr lang="en-US"/>
           </a:p>
@@ -19774,7 +19556,7 @@
           <a:p>
             <a:fld id="{A7D14955-FAB2-42E8-AF7E-578CD3D12D05}" type="datetimeFigureOut">
               <a:rPr lang="en-US" smtClean="0"/>
-              <a:t>3/12/2024</a:t>
+              <a:t>4/1/2024</a:t>
             </a:fld>
             <a:endParaRPr lang="en-US"/>
           </a:p>
@@ -20614,7 +20396,7 @@
           <a:p>
             <a:fld id="{A7D14955-FAB2-42E8-AF7E-578CD3D12D05}" type="datetimeFigureOut">
               <a:rPr lang="en-US" smtClean="0"/>
-              <a:t>3/12/2024</a:t>
+              <a:t>4/1/2024</a:t>
             </a:fld>
             <a:endParaRPr lang="en-US"/>
           </a:p>
@@ -20784,7 +20566,7 @@
           <a:p>
             <a:fld id="{A7D14955-FAB2-42E8-AF7E-578CD3D12D05}" type="datetimeFigureOut">
               <a:rPr lang="en-US" smtClean="0"/>
-              <a:t>3/12/2024</a:t>
+              <a:t>4/1/2024</a:t>
             </a:fld>
             <a:endParaRPr lang="en-US"/>
           </a:p>
@@ -20968,7 +20750,7 @@
           <a:p>
             <a:fld id="{A7D14955-FAB2-42E8-AF7E-578CD3D12D05}" type="datetimeFigureOut">
               <a:rPr lang="en-US" smtClean="0"/>
-              <a:t>3/12/2024</a:t>
+              <a:t>4/1/2024</a:t>
             </a:fld>
             <a:endParaRPr lang="en-US"/>
           </a:p>
@@ -21138,7 +20920,7 @@
           <a:p>
             <a:fld id="{A7D14955-FAB2-42E8-AF7E-578CD3D12D05}" type="datetimeFigureOut">
               <a:rPr lang="en-US" smtClean="0"/>
-              <a:t>3/12/2024</a:t>
+              <a:t>4/1/2024</a:t>
             </a:fld>
             <a:endParaRPr lang="en-US"/>
           </a:p>
@@ -21386,7 +21168,7 @@
           <a:p>
             <a:fld id="{A7D14955-FAB2-42E8-AF7E-578CD3D12D05}" type="datetimeFigureOut">
               <a:rPr lang="en-US" smtClean="0"/>
-              <a:t>3/12/2024</a:t>
+              <a:t>4/1/2024</a:t>
             </a:fld>
             <a:endParaRPr lang="en-US"/>
           </a:p>
@@ -21623,7 +21405,7 @@
           <a:p>
             <a:fld id="{A7D14955-FAB2-42E8-AF7E-578CD3D12D05}" type="datetimeFigureOut">
               <a:rPr lang="en-US" smtClean="0"/>
-              <a:t>3/12/2024</a:t>
+              <a:t>4/1/2024</a:t>
             </a:fld>
             <a:endParaRPr lang="en-US"/>
           </a:p>
@@ -21996,7 +21778,7 @@
           <a:p>
             <a:fld id="{A7D14955-FAB2-42E8-AF7E-578CD3D12D05}" type="datetimeFigureOut">
               <a:rPr lang="en-US" smtClean="0"/>
-              <a:t>3/12/2024</a:t>
+              <a:t>4/1/2024</a:t>
             </a:fld>
             <a:endParaRPr lang="en-US"/>
           </a:p>
@@ -22114,7 +21896,7 @@
           <a:p>
             <a:fld id="{A7D14955-FAB2-42E8-AF7E-578CD3D12D05}" type="datetimeFigureOut">
               <a:rPr lang="en-US" smtClean="0"/>
-              <a:t>3/12/2024</a:t>
+              <a:t>4/1/2024</a:t>
             </a:fld>
             <a:endParaRPr lang="en-US"/>
           </a:p>
@@ -22209,7 +21991,7 @@
           <a:p>
             <a:fld id="{A7D14955-FAB2-42E8-AF7E-578CD3D12D05}" type="datetimeFigureOut">
               <a:rPr lang="en-US" smtClean="0"/>
-              <a:t>3/12/2024</a:t>
+              <a:t>4/1/2024</a:t>
             </a:fld>
             <a:endParaRPr lang="en-US"/>
           </a:p>
@@ -22460,7 +22242,7 @@
           <a:p>
             <a:fld id="{A7D14955-FAB2-42E8-AF7E-578CD3D12D05}" type="datetimeFigureOut">
               <a:rPr lang="en-US" smtClean="0"/>
-              <a:t>3/12/2024</a:t>
+              <a:t>4/1/2024</a:t>
             </a:fld>
             <a:endParaRPr lang="en-US"/>
           </a:p>
@@ -22747,7 +22529,7 @@
           <a:p>
             <a:fld id="{A7D14955-FAB2-42E8-AF7E-578CD3D12D05}" type="datetimeFigureOut">
               <a:rPr lang="en-US" smtClean="0"/>
-              <a:t>3/12/2024</a:t>
+              <a:t>4/1/2024</a:t>
             </a:fld>
             <a:endParaRPr lang="en-US"/>
           </a:p>
@@ -22960,7 +22742,7 @@
           <a:p>
             <a:fld id="{A7D14955-FAB2-42E8-AF7E-578CD3D12D05}" type="datetimeFigureOut">
               <a:rPr lang="en-US" smtClean="0"/>
-              <a:t>3/12/2024</a:t>
+              <a:t>4/1/2024</a:t>
             </a:fld>
             <a:endParaRPr lang="en-US"/>
           </a:p>
@@ -23487,13 +23269,13 @@
         </p:nvSpPr>
         <p:spPr>
           <a:xfrm>
-            <a:off x="5580247" y="2940315"/>
+            <a:off x="5443325" y="2987940"/>
             <a:ext cx="3654064" cy="1139295"/>
           </a:xfrm>
         </p:spPr>
         <p:txBody>
           <a:bodyPr>
-            <a:normAutofit/>
+            <a:normAutofit fontScale="70000" lnSpcReduction="20000"/>
           </a:bodyPr>
           <a:lstStyle/>
           <a:p>
@@ -23504,6 +23286,14 @@
               <a:rPr lang="en-US" dirty="0"/>
               <a:t>Capstone project</a:t>
             </a:r>
+            <a:endParaRPr lang="en-GB" dirty="0"/>
+          </a:p>
+          <a:p>
+            <a:r>
+              <a:rPr lang="en-GB" dirty="0"/>
+              <a:t>(Meenakshi Tayade)</a:t>
+            </a:r>
+            <a:endParaRPr lang="en-US" dirty="0"/>
           </a:p>
         </p:txBody>
       </p:sp>
@@ -23517,193 +23307,10 @@
   <p:clrMapOvr>
     <a:masterClrMapping/>
   </p:clrMapOvr>
-  <mc:AlternateContent xmlns:mc="http://schemas.openxmlformats.org/markup-compatibility/2006">
-    <mc:Choice xmlns:p14="http://schemas.microsoft.com/office/powerpoint/2010/main" Requires="p14">
-      <p:transition spd="slow" p14:dur="2000"/>
-    </mc:Choice>
-    <mc:Fallback>
-      <p:transition spd="slow"/>
-    </mc:Fallback>
-  </mc:AlternateContent>
-  <p:timing>
-    <p:tnLst>
-      <p:par>
-        <p:cTn id="1" dur="indefinite" restart="never" nodeType="tmRoot"/>
-      </p:par>
-    </p:tnLst>
-  </p:timing>
 </p:sld>
 </file>
 
 <file path=ppt/slides/slide10.xml><?xml version="1.0" encoding="utf-8"?>
-<p:sld xmlns:a="http://schemas.openxmlformats.org/drawingml/2006/main" xmlns:r="http://schemas.openxmlformats.org/officeDocument/2006/relationships" xmlns:p="http://schemas.openxmlformats.org/presentationml/2006/main">
-  <p:cSld>
-    <p:spTree>
-      <p:nvGrpSpPr>
-        <p:cNvPr id="1" name=""/>
-        <p:cNvGrpSpPr/>
-        <p:nvPr/>
-      </p:nvGrpSpPr>
-      <p:grpSpPr>
-        <a:xfrm>
-          <a:off x="0" y="0"/>
-          <a:ext cx="0" cy="0"/>
-          <a:chOff x="0" y="0"/>
-          <a:chExt cx="0" cy="0"/>
-        </a:xfrm>
-      </p:grpSpPr>
-      <p:sp>
-        <p:nvSpPr>
-          <p:cNvPr id="2" name="Title 1"/>
-          <p:cNvSpPr>
-            <a:spLocks noGrp="1"/>
-          </p:cNvSpPr>
-          <p:nvPr>
-            <p:ph type="title"/>
-          </p:nvPr>
-        </p:nvSpPr>
-        <p:spPr/>
-        <p:txBody>
-          <a:bodyPr/>
-          <a:lstStyle/>
-          <a:p>
-            <a:r>
-              <a:rPr lang="en-IN" dirty="0"/>
-              <a:t>Future Enhancement </a:t>
-            </a:r>
-          </a:p>
-        </p:txBody>
-      </p:sp>
-      <p:sp>
-        <p:nvSpPr>
-          <p:cNvPr id="3" name="Content Placeholder 2"/>
-          <p:cNvSpPr>
-            <a:spLocks noGrp="1"/>
-          </p:cNvSpPr>
-          <p:nvPr>
-            <p:ph idx="1"/>
-          </p:nvPr>
-        </p:nvSpPr>
-        <p:spPr>
-          <a:xfrm>
-            <a:off x="913794" y="2096064"/>
-            <a:ext cx="10691184" cy="3695136"/>
-          </a:xfrm>
-        </p:spPr>
-        <p:txBody>
-          <a:bodyPr>
-            <a:normAutofit fontScale="92500"/>
-          </a:bodyPr>
-          <a:lstStyle/>
-          <a:p>
-            <a:r>
-              <a:rPr lang="en-IN" dirty="0" smtClean="0">
-                <a:effectLst/>
-              </a:rPr>
-              <a:t>Collaborative To-Do Lists: Enable users to share and collaborate on to-do </a:t>
-            </a:r>
-          </a:p>
-          <a:p>
-            <a:pPr marL="0" indent="0">
-              <a:buNone/>
-            </a:pPr>
-            <a:r>
-              <a:rPr lang="en-IN" dirty="0" smtClean="0">
-                <a:effectLst/>
-              </a:rPr>
-              <a:t>    lists with other users, allowing for teamwork and task delegation.</a:t>
-            </a:r>
-          </a:p>
-          <a:p>
-            <a:r>
-              <a:rPr lang="en-IN" dirty="0" smtClean="0">
-                <a:effectLst/>
-              </a:rPr>
-              <a:t>Attachments</a:t>
-            </a:r>
-            <a:r>
-              <a:rPr lang="en-IN" dirty="0">
-                <a:effectLst/>
-              </a:rPr>
-              <a:t> and Comments: Allow users to attach files or add comments to their tasks for additional context or information</a:t>
-            </a:r>
-            <a:r>
-              <a:rPr lang="en-IN" dirty="0" smtClean="0">
-                <a:effectLst/>
-              </a:rPr>
-              <a:t>.</a:t>
-            </a:r>
-          </a:p>
-          <a:p>
-            <a:r>
-              <a:rPr lang="en-IN" dirty="0" smtClean="0">
-                <a:effectLst/>
-              </a:rPr>
-              <a:t>Integration</a:t>
-            </a:r>
-            <a:r>
-              <a:rPr lang="en-IN" dirty="0">
-                <a:effectLst/>
-              </a:rPr>
-              <a:t> with Calendar and Email: Integrate the application with popular calendar and email platforms to sync tasks and events seamlessly across multiple devices and platforms</a:t>
-            </a:r>
-            <a:r>
-              <a:rPr lang="en-IN" dirty="0" smtClean="0">
-                <a:effectLst/>
-              </a:rPr>
-              <a:t>.</a:t>
-            </a:r>
-          </a:p>
-          <a:p>
-            <a:r>
-              <a:rPr lang="en-IN" dirty="0" smtClean="0">
-                <a:effectLst/>
-              </a:rPr>
-              <a:t>Data</a:t>
-            </a:r>
-            <a:r>
-              <a:rPr lang="en-IN" dirty="0">
-                <a:effectLst/>
-              </a:rPr>
-              <a:t> Backup and Restore: Implement data backup and restore functionality to prevent data loss and allow users to recover their </a:t>
-            </a:r>
-            <a:r>
-              <a:rPr lang="en-IN" dirty="0" err="1" smtClean="0">
-                <a:effectLst/>
-              </a:rPr>
-              <a:t>todo</a:t>
-            </a:r>
-            <a:r>
-              <a:rPr lang="en-IN" dirty="0">
-                <a:effectLst/>
-              </a:rPr>
-              <a:t> lists in case of accidental deletion or device failure.</a:t>
-            </a:r>
-            <a:endParaRPr lang="en-IN" dirty="0"/>
-          </a:p>
-        </p:txBody>
-      </p:sp>
-    </p:spTree>
-    <p:extLst>
-      <p:ext uri="{BB962C8B-B14F-4D97-AF65-F5344CB8AC3E}">
-        <p14:creationId xmlns:p14="http://schemas.microsoft.com/office/powerpoint/2010/main" val="1637352222"/>
-      </p:ext>
-    </p:extLst>
-  </p:cSld>
-  <p:clrMapOvr>
-    <a:masterClrMapping/>
-  </p:clrMapOvr>
-  <p:timing>
-    <p:tnLst>
-      <p:par>
-        <p:cTn id="1" dur="indefinite" restart="never" nodeType="tmRoot"/>
-      </p:par>
-    </p:tnLst>
-  </p:timing>
-</p:sld>
-</file>
-
-<file path=ppt/slides/slide11.xml><?xml version="1.0" encoding="utf-8"?>
 <p:sld xmlns:a="http://schemas.openxmlformats.org/drawingml/2006/main" xmlns:r="http://schemas.openxmlformats.org/officeDocument/2006/relationships" xmlns:p="http://schemas.openxmlformats.org/presentationml/2006/main">
   <p:cSld>
     <p:spTree>
@@ -23758,21 +23365,14 @@
   <p:clrMapOvr>
     <a:masterClrMapping/>
   </p:clrMapOvr>
-  <mc:AlternateContent xmlns:mc="http://schemas.openxmlformats.org/markup-compatibility/2006">
-    <mc:Choice xmlns:p14="http://schemas.microsoft.com/office/powerpoint/2010/main" Requires="p14">
+  <mc:AlternateContent xmlns:mc="http://schemas.openxmlformats.org/markup-compatibility/2006" xmlns:p14="http://schemas.microsoft.com/office/powerpoint/2010/main">
+    <mc:Choice Requires="p14">
       <p:transition spd="slow" p14:dur="2000" advTm="1705"/>
     </mc:Choice>
-    <mc:Fallback>
+    <mc:Fallback xmlns="">
       <p:transition spd="slow" advTm="1705"/>
     </mc:Fallback>
   </mc:AlternateContent>
-  <p:timing>
-    <p:tnLst>
-      <p:par>
-        <p:cTn id="1" dur="indefinite" restart="never" nodeType="tmRoot"/>
-      </p:par>
-    </p:tnLst>
-  </p:timing>
 </p:sld>
 </file>
 
@@ -23846,8 +23446,8 @@
         </p:nvSpPr>
         <p:spPr>
           <a:xfrm>
-            <a:off x="755165" y="2075445"/>
-            <a:ext cx="10233800" cy="4351338"/>
+            <a:off x="896065" y="1251452"/>
+            <a:ext cx="10233800" cy="4355095"/>
           </a:xfrm>
         </p:spPr>
         <p:txBody>
@@ -23856,15 +23456,15 @@
           </a:bodyPr>
           <a:lstStyle/>
           <a:p>
-            <a:r>
-              <a:rPr lang="en-US" sz="2400" dirty="0">
-                <a:solidFill>
-                  <a:srgbClr val="FFFFFF"/>
-                </a:solidFill>
-                <a:latin typeface="Open Sauce Semi-Bold"/>
-              </a:rPr>
-              <a:t>Team Members</a:t>
-            </a:r>
+            <a:pPr marL="0" indent="0">
+              <a:buNone/>
+            </a:pPr>
+            <a:endParaRPr lang="en-US" sz="2400" dirty="0">
+              <a:solidFill>
+                <a:srgbClr val="FFFFFF"/>
+              </a:solidFill>
+              <a:latin typeface="Open Sauce Semi-Bold"/>
+            </a:endParaRPr>
           </a:p>
           <a:p>
             <a:r>
@@ -23995,311 +23595,18 @@
   <p:clrMapOvr>
     <a:masterClrMapping/>
   </p:clrMapOvr>
-  <mc:AlternateContent xmlns:mc="http://schemas.openxmlformats.org/markup-compatibility/2006">
-    <mc:Choice xmlns:p14="http://schemas.microsoft.com/office/powerpoint/2010/main" Requires="p14">
+  <mc:AlternateContent xmlns:mc="http://schemas.openxmlformats.org/markup-compatibility/2006" xmlns:p14="http://schemas.microsoft.com/office/powerpoint/2010/main">
+    <mc:Choice Requires="p14">
       <p:transition spd="slow" p14:dur="2000" advTm="556"/>
     </mc:Choice>
-    <mc:Fallback>
+    <mc:Fallback xmlns="">
       <p:transition spd="slow" advTm="556"/>
     </mc:Fallback>
   </mc:AlternateContent>
-  <p:timing>
-    <p:tnLst>
-      <p:par>
-        <p:cTn id="1" dur="indefinite" restart="never" nodeType="tmRoot"/>
-      </p:par>
-    </p:tnLst>
-  </p:timing>
 </p:sld>
 </file>
 
 <file path=ppt/slides/slide3.xml><?xml version="1.0" encoding="utf-8"?>
-<p:sld xmlns:a="http://schemas.openxmlformats.org/drawingml/2006/main" xmlns:r="http://schemas.openxmlformats.org/officeDocument/2006/relationships" xmlns:p="http://schemas.openxmlformats.org/presentationml/2006/main">
-  <p:cSld>
-    <p:spTree>
-      <p:nvGrpSpPr>
-        <p:cNvPr id="1" name=""/>
-        <p:cNvGrpSpPr/>
-        <p:nvPr/>
-      </p:nvGrpSpPr>
-      <p:grpSpPr>
-        <a:xfrm>
-          <a:off x="0" y="0"/>
-          <a:ext cx="0" cy="0"/>
-          <a:chOff x="0" y="0"/>
-          <a:chExt cx="0" cy="0"/>
-        </a:xfrm>
-      </p:grpSpPr>
-      <p:sp>
-        <p:nvSpPr>
-          <p:cNvPr id="2" name="TextBox 1">
-            <a:extLst>
-              <a:ext uri="{FF2B5EF4-FFF2-40B4-BE49-F238E27FC236}">
-                <a16:creationId xmlns:a16="http://schemas.microsoft.com/office/drawing/2014/main" id="{792E95CC-6237-A8F8-02E4-27776EE303A6}"/>
-              </a:ext>
-            </a:extLst>
-          </p:cNvPr>
-          <p:cNvSpPr txBox="1"/>
-          <p:nvPr/>
-        </p:nvSpPr>
-        <p:spPr>
-          <a:xfrm>
-            <a:off x="942390" y="591722"/>
-            <a:ext cx="3722915" cy="584775"/>
-          </a:xfrm>
-          <a:prstGeom prst="rect">
-            <a:avLst/>
-          </a:prstGeom>
-          <a:noFill/>
-        </p:spPr>
-        <p:txBody>
-          <a:bodyPr wrap="square" rtlCol="0">
-            <a:spAutoFit/>
-          </a:bodyPr>
-          <a:lstStyle/>
-          <a:p>
-            <a:r>
-              <a:rPr lang="en-US" sz="3200" dirty="0"/>
-              <a:t>Team Members </a:t>
-            </a:r>
-          </a:p>
-        </p:txBody>
-      </p:sp>
-      <p:sp>
-        <p:nvSpPr>
-          <p:cNvPr id="3" name="Flowchart: Terminator 2">
-            <a:extLst>
-              <a:ext uri="{FF2B5EF4-FFF2-40B4-BE49-F238E27FC236}">
-                <a16:creationId xmlns:a16="http://schemas.microsoft.com/office/drawing/2014/main" id="{FDC8F1D2-7D2D-B881-362A-023DB63C0133}"/>
-              </a:ext>
-            </a:extLst>
-          </p:cNvPr>
-          <p:cNvSpPr/>
-          <p:nvPr/>
-        </p:nvSpPr>
-        <p:spPr>
-          <a:xfrm>
-            <a:off x="3209729" y="4264089"/>
-            <a:ext cx="2659225" cy="494522"/>
-          </a:xfrm>
-          <a:prstGeom prst="flowChartTerminator">
-            <a:avLst/>
-          </a:prstGeom>
-        </p:spPr>
-        <p:style>
-          <a:lnRef idx="2">
-            <a:schemeClr val="accent2"/>
-          </a:lnRef>
-          <a:fillRef idx="1">
-            <a:schemeClr val="lt1"/>
-          </a:fillRef>
-          <a:effectRef idx="0">
-            <a:schemeClr val="accent2"/>
-          </a:effectRef>
-          <a:fontRef idx="minor">
-            <a:schemeClr val="dk1"/>
-          </a:fontRef>
-        </p:style>
-        <p:txBody>
-          <a:bodyPr rtlCol="0" anchor="ctr"/>
-          <a:lstStyle/>
-          <a:p>
-            <a:pPr algn="ctr"/>
-            <a:r>
-              <a:rPr lang="en-US" dirty="0"/>
-              <a:t>Meenakshi </a:t>
-            </a:r>
-            <a:r>
-              <a:rPr lang="en-US" dirty="0" err="1"/>
-              <a:t>Tayade</a:t>
-            </a:r>
-            <a:endParaRPr lang="en-US" dirty="0"/>
-          </a:p>
-        </p:txBody>
-      </p:sp>
-      <p:sp>
-        <p:nvSpPr>
-          <p:cNvPr id="4" name="Flowchart: Terminator 3">
-            <a:extLst>
-              <a:ext uri="{FF2B5EF4-FFF2-40B4-BE49-F238E27FC236}">
-                <a16:creationId xmlns:a16="http://schemas.microsoft.com/office/drawing/2014/main" id="{B5B47249-4A27-6785-93A0-449901CD4953}"/>
-              </a:ext>
-            </a:extLst>
-          </p:cNvPr>
-          <p:cNvSpPr/>
-          <p:nvPr/>
-        </p:nvSpPr>
-        <p:spPr>
-          <a:xfrm>
-            <a:off x="6849456" y="4185066"/>
-            <a:ext cx="2674777" cy="494522"/>
-          </a:xfrm>
-          <a:prstGeom prst="flowChartTerminator">
-            <a:avLst/>
-          </a:prstGeom>
-        </p:spPr>
-        <p:style>
-          <a:lnRef idx="2">
-            <a:schemeClr val="accent2"/>
-          </a:lnRef>
-          <a:fillRef idx="1">
-            <a:schemeClr val="lt1"/>
-          </a:fillRef>
-          <a:effectRef idx="0">
-            <a:schemeClr val="accent2"/>
-          </a:effectRef>
-          <a:fontRef idx="minor">
-            <a:schemeClr val="dk1"/>
-          </a:fontRef>
-        </p:style>
-        <p:txBody>
-          <a:bodyPr rtlCol="0" anchor="ctr"/>
-          <a:lstStyle/>
-          <a:p>
-            <a:pPr algn="ctr"/>
-            <a:r>
-              <a:rPr lang="en-US" dirty="0"/>
-              <a:t>Shivani Jaju</a:t>
-            </a:r>
-          </a:p>
-        </p:txBody>
-      </p:sp>
-      <p:pic>
-        <p:nvPicPr>
-          <p:cNvPr id="8" name="Picture 7">
-            <a:extLst>
-              <a:ext uri="{FF2B5EF4-FFF2-40B4-BE49-F238E27FC236}">
-                <a16:creationId xmlns:a16="http://schemas.microsoft.com/office/drawing/2014/main" id="{11409074-2986-D3C9-5A4A-CE3F2BB1FA71}"/>
-              </a:ext>
-            </a:extLst>
-          </p:cNvPr>
-          <p:cNvPicPr>
-            <a:picLocks noChangeAspect="1"/>
-          </p:cNvPicPr>
-          <p:nvPr/>
-        </p:nvPicPr>
-        <p:blipFill>
-          <a:blip r:embed="rId2" cstate="hqprint">
-            <a:lum bright="70000" contrast="-70000"/>
-            <a:extLst>
-              <a:ext uri="{28A0092B-C50C-407E-A947-70E740481C1C}">
-                <a14:useLocalDpi xmlns:a14="http://schemas.microsoft.com/office/drawing/2010/main" val="0"/>
-              </a:ext>
-            </a:extLst>
-          </a:blip>
-          <a:stretch>
-            <a:fillRect/>
-          </a:stretch>
-        </p:blipFill>
-        <p:spPr>
-          <a:xfrm>
-            <a:off x="5545746" y="1693412"/>
-            <a:ext cx="1303710" cy="1128075"/>
-          </a:xfrm>
-          <a:prstGeom prst="rect">
-            <a:avLst/>
-          </a:prstGeom>
-        </p:spPr>
-      </p:pic>
-      <p:cxnSp>
-        <p:nvCxnSpPr>
-          <p:cNvPr id="6" name="Straight Arrow Connector 5"/>
-          <p:cNvCxnSpPr>
-            <a:endCxn id="4" idx="0"/>
-          </p:cNvCxnSpPr>
-          <p:nvPr/>
-        </p:nvCxnSpPr>
-        <p:spPr>
-          <a:xfrm>
-            <a:off x="6197601" y="2663441"/>
-            <a:ext cx="1989244" cy="1521625"/>
-          </a:xfrm>
-          <a:prstGeom prst="straightConnector1">
-            <a:avLst/>
-          </a:prstGeom>
-          <a:ln>
-            <a:tailEnd type="triangle"/>
-          </a:ln>
-        </p:spPr>
-        <p:style>
-          <a:lnRef idx="1">
-            <a:schemeClr val="accent1"/>
-          </a:lnRef>
-          <a:fillRef idx="0">
-            <a:schemeClr val="accent1"/>
-          </a:fillRef>
-          <a:effectRef idx="0">
-            <a:schemeClr val="accent1"/>
-          </a:effectRef>
-          <a:fontRef idx="minor">
-            <a:schemeClr val="tx1"/>
-          </a:fontRef>
-        </p:style>
-      </p:cxnSp>
-      <p:cxnSp>
-        <p:nvCxnSpPr>
-          <p:cNvPr id="9" name="Straight Arrow Connector 8"/>
-          <p:cNvCxnSpPr>
-            <a:endCxn id="3" idx="0"/>
-          </p:cNvCxnSpPr>
-          <p:nvPr/>
-        </p:nvCxnSpPr>
-        <p:spPr>
-          <a:xfrm flipH="1">
-            <a:off x="4539342" y="2663441"/>
-            <a:ext cx="1658259" cy="1600648"/>
-          </a:xfrm>
-          <a:prstGeom prst="straightConnector1">
-            <a:avLst/>
-          </a:prstGeom>
-          <a:ln>
-            <a:tailEnd type="triangle"/>
-          </a:ln>
-        </p:spPr>
-        <p:style>
-          <a:lnRef idx="1">
-            <a:schemeClr val="accent1"/>
-          </a:lnRef>
-          <a:fillRef idx="0">
-            <a:schemeClr val="accent1"/>
-          </a:fillRef>
-          <a:effectRef idx="0">
-            <a:schemeClr val="accent1"/>
-          </a:effectRef>
-          <a:fontRef idx="minor">
-            <a:schemeClr val="tx1"/>
-          </a:fontRef>
-        </p:style>
-      </p:cxnSp>
-    </p:spTree>
-    <p:extLst>
-      <p:ext uri="{BB962C8B-B14F-4D97-AF65-F5344CB8AC3E}">
-        <p14:creationId xmlns:p14="http://schemas.microsoft.com/office/powerpoint/2010/main" val="1582962180"/>
-      </p:ext>
-    </p:extLst>
-  </p:cSld>
-  <p:clrMapOvr>
-    <a:masterClrMapping/>
-  </p:clrMapOvr>
-  <mc:AlternateContent xmlns:mc="http://schemas.openxmlformats.org/markup-compatibility/2006">
-    <mc:Choice xmlns:p14="http://schemas.microsoft.com/office/powerpoint/2010/main" Requires="p14">
-      <p:transition spd="slow" p14:dur="2000" advTm="740"/>
-    </mc:Choice>
-    <mc:Fallback>
-      <p:transition spd="slow" advTm="740"/>
-    </mc:Fallback>
-  </mc:AlternateContent>
-  <p:timing>
-    <p:tnLst>
-      <p:par>
-        <p:cTn id="1" dur="indefinite" restart="never" nodeType="tmRoot"/>
-      </p:par>
-    </p:tnLst>
-  </p:timing>
-</p:sld>
-</file>
-
-<file path=ppt/slides/slide4.xml><?xml version="1.0" encoding="utf-8"?>
 <p:sld xmlns:a="http://schemas.openxmlformats.org/drawingml/2006/main" xmlns:r="http://schemas.openxmlformats.org/officeDocument/2006/relationships" xmlns:p="http://schemas.openxmlformats.org/presentationml/2006/main">
   <p:cSld>
     <p:spTree>
@@ -24382,15 +23689,7 @@
             <a:pPr algn="just"/>
             <a:r>
               <a:rPr lang="en-US" dirty="0"/>
-              <a:t>The purpose of the to-do list tracker is to help users to prioritize their task and complete it on time.  to-do list tracker app with multiple list options allows you to store all of these to-dos in one place. Set </a:t>
-            </a:r>
-            <a:r>
-              <a:rPr lang="en-US" dirty="0" smtClean="0"/>
-              <a:t>due </a:t>
-            </a:r>
-            <a:r>
-              <a:rPr lang="en-US" dirty="0"/>
-              <a:t>dates, task status and priorities. </a:t>
+              <a:t>The purpose of the to-do list tracker is to help users to prioritize their task and complete it on time.  to-do list tracker app with multiple list options allows you to store all of these to-dos in one place. Set due dates, task status and priorities. </a:t>
             </a:r>
             <a:r>
               <a:rPr lang="en-IN" dirty="0"/>
@@ -24421,25 +23720,18 @@
   <p:clrMapOvr>
     <a:masterClrMapping/>
   </p:clrMapOvr>
-  <mc:AlternateContent xmlns:mc="http://schemas.openxmlformats.org/markup-compatibility/2006">
-    <mc:Choice xmlns:p14="http://schemas.microsoft.com/office/powerpoint/2010/main" Requires="p14">
+  <mc:AlternateContent xmlns:mc="http://schemas.openxmlformats.org/markup-compatibility/2006" xmlns:p14="http://schemas.microsoft.com/office/powerpoint/2010/main">
+    <mc:Choice Requires="p14">
       <p:transition spd="slow" p14:dur="2000" advTm="704"/>
     </mc:Choice>
-    <mc:Fallback>
+    <mc:Fallback xmlns="">
       <p:transition spd="slow" advTm="704"/>
     </mc:Fallback>
   </mc:AlternateContent>
-  <p:timing>
-    <p:tnLst>
-      <p:par>
-        <p:cTn id="1" dur="indefinite" restart="never" nodeType="tmRoot"/>
-      </p:par>
-    </p:tnLst>
-  </p:timing>
 </p:sld>
 </file>
 
-<file path=ppt/slides/slide5.xml><?xml version="1.0" encoding="utf-8"?>
+<file path=ppt/slides/slide4.xml><?xml version="1.0" encoding="utf-8"?>
 <p:sld xmlns:a="http://schemas.openxmlformats.org/drawingml/2006/main" xmlns:r="http://schemas.openxmlformats.org/officeDocument/2006/relationships" xmlns:p="http://schemas.openxmlformats.org/presentationml/2006/main">
   <p:cSld>
     <p:spTree>
@@ -24548,25 +23840,18 @@
   <p:clrMapOvr>
     <a:masterClrMapping/>
   </p:clrMapOvr>
-  <mc:AlternateContent xmlns:mc="http://schemas.openxmlformats.org/markup-compatibility/2006">
-    <mc:Choice xmlns:p14="http://schemas.microsoft.com/office/powerpoint/2010/main" Requires="p14">
+  <mc:AlternateContent xmlns:mc="http://schemas.openxmlformats.org/markup-compatibility/2006" xmlns:p14="http://schemas.microsoft.com/office/powerpoint/2010/main">
+    <mc:Choice Requires="p14">
       <p:transition spd="slow" p14:dur="2000" advTm="800"/>
     </mc:Choice>
-    <mc:Fallback>
+    <mc:Fallback xmlns="">
       <p:transition spd="slow" advTm="800"/>
     </mc:Fallback>
   </mc:AlternateContent>
-  <p:timing>
-    <p:tnLst>
-      <p:par>
-        <p:cTn id="1" dur="indefinite" restart="never" nodeType="tmRoot"/>
-      </p:par>
-    </p:tnLst>
-  </p:timing>
 </p:sld>
 </file>
 
-<file path=ppt/slides/slide6.xml><?xml version="1.0" encoding="utf-8"?>
+<file path=ppt/slides/slide5.xml><?xml version="1.0" encoding="utf-8"?>
 <p:sld xmlns:a="http://schemas.openxmlformats.org/drawingml/2006/main" xmlns:r="http://schemas.openxmlformats.org/officeDocument/2006/relationships" xmlns:p="http://schemas.openxmlformats.org/presentationml/2006/main">
   <p:cSld>
     <p:spTree>
@@ -24802,25 +24087,18 @@
   <p:clrMapOvr>
     <a:masterClrMapping/>
   </p:clrMapOvr>
-  <mc:AlternateContent xmlns:mc="http://schemas.openxmlformats.org/markup-compatibility/2006">
-    <mc:Choice xmlns:p14="http://schemas.microsoft.com/office/powerpoint/2010/main" Requires="p14">
+  <mc:AlternateContent xmlns:mc="http://schemas.openxmlformats.org/markup-compatibility/2006" xmlns:p14="http://schemas.microsoft.com/office/powerpoint/2010/main">
+    <mc:Choice Requires="p14">
       <p:transition spd="slow" p14:dur="2000" advTm="48080"/>
     </mc:Choice>
-    <mc:Fallback>
+    <mc:Fallback xmlns="">
       <p:transition spd="slow" advTm="48080"/>
     </mc:Fallback>
   </mc:AlternateContent>
-  <p:timing>
-    <p:tnLst>
-      <p:par>
-        <p:cTn id="1" dur="indefinite" restart="never" nodeType="tmRoot"/>
-      </p:par>
-    </p:tnLst>
-  </p:timing>
 </p:sld>
 </file>
 
-<file path=ppt/slides/slide7.xml><?xml version="1.0" encoding="utf-8"?>
+<file path=ppt/slides/slide6.xml><?xml version="1.0" encoding="utf-8"?>
 <p:sld xmlns:a="http://schemas.openxmlformats.org/drawingml/2006/main" xmlns:r="http://schemas.openxmlformats.org/officeDocument/2006/relationships" xmlns:p="http://schemas.openxmlformats.org/presentationml/2006/main">
   <p:cSld>
     <p:spTree>
@@ -25991,10 +25269,9 @@
           <a:p>
             <a:pPr algn="ctr"/>
             <a:r>
-              <a:rPr lang="en-IN" dirty="0" smtClean="0"/>
+              <a:rPr lang="en-IN" dirty="0"/>
               <a:t>Eureka Server</a:t>
             </a:r>
-            <a:endParaRPr lang="en-IN" dirty="0"/>
           </a:p>
         </p:txBody>
       </p:sp>
@@ -26008,25 +25285,18 @@
   <p:clrMapOvr>
     <a:masterClrMapping/>
   </p:clrMapOvr>
-  <mc:AlternateContent xmlns:mc="http://schemas.openxmlformats.org/markup-compatibility/2006">
-    <mc:Choice xmlns:p14="http://schemas.microsoft.com/office/powerpoint/2010/main" Requires="p14">
+  <mc:AlternateContent xmlns:mc="http://schemas.openxmlformats.org/markup-compatibility/2006" xmlns:p14="http://schemas.microsoft.com/office/powerpoint/2010/main">
+    <mc:Choice Requires="p14">
       <p:transition spd="slow" p14:dur="2000" advTm="4486"/>
     </mc:Choice>
-    <mc:Fallback>
+    <mc:Fallback xmlns="">
       <p:transition spd="slow" advTm="4486"/>
     </mc:Fallback>
   </mc:AlternateContent>
-  <p:timing>
-    <p:tnLst>
-      <p:par>
-        <p:cTn id="1" dur="indefinite" restart="never" nodeType="tmRoot"/>
-      </p:par>
-    </p:tnLst>
-  </p:timing>
 </p:sld>
 </file>
 
-<file path=ppt/slides/slide8.xml><?xml version="1.0" encoding="utf-8"?>
+<file path=ppt/slides/slide7.xml><?xml version="1.0" encoding="utf-8"?>
 <p:sld xmlns:a="http://schemas.openxmlformats.org/drawingml/2006/main" xmlns:r="http://schemas.openxmlformats.org/officeDocument/2006/relationships" xmlns:p="http://schemas.openxmlformats.org/presentationml/2006/main">
   <p:cSld>
     <p:spTree>
@@ -26256,27 +25526,7 @@
                 <a:effectLst/>
                 <a:latin typeface="Söhne"/>
               </a:rPr>
-              <a:t>Users can track the progress of their tasks, mark them as completed, </a:t>
-            </a:r>
-            <a:r>
-              <a:rPr lang="en-US" b="0" i="0" dirty="0" smtClean="0">
-                <a:solidFill>
-                  <a:srgbClr val="ECECEC"/>
-                </a:solidFill>
-                <a:effectLst/>
-                <a:latin typeface="Söhne"/>
-              </a:rPr>
-              <a:t>and </a:t>
-            </a:r>
-            <a:r>
-              <a:rPr lang="en-US" b="0" i="0" dirty="0" smtClean="0">
-                <a:solidFill>
-                  <a:srgbClr val="ECECEC"/>
-                </a:solidFill>
-                <a:effectLst/>
-                <a:latin typeface="Söhne"/>
-              </a:rPr>
-              <a:t>task can be put in the archive list.</a:t>
+              <a:t>Users can track the progress of their tasks, mark them as completed, and task can be put in the archive list.</a:t>
             </a:r>
             <a:endParaRPr lang="en-US" dirty="0"/>
           </a:p>
@@ -26338,25 +25588,18 @@
   <p:clrMapOvr>
     <a:masterClrMapping/>
   </p:clrMapOvr>
-  <mc:AlternateContent xmlns:mc="http://schemas.openxmlformats.org/markup-compatibility/2006">
-    <mc:Choice xmlns:p14="http://schemas.microsoft.com/office/powerpoint/2010/main" Requires="p14">
+  <mc:AlternateContent xmlns:mc="http://schemas.openxmlformats.org/markup-compatibility/2006" xmlns:p14="http://schemas.microsoft.com/office/powerpoint/2010/main">
+    <mc:Choice Requires="p14">
       <p:transition spd="slow" p14:dur="2000" advTm="3376"/>
     </mc:Choice>
-    <mc:Fallback>
+    <mc:Fallback xmlns="">
       <p:transition spd="slow" advTm="3376"/>
     </mc:Fallback>
   </mc:AlternateContent>
-  <p:timing>
-    <p:tnLst>
-      <p:par>
-        <p:cTn id="1" dur="indefinite" restart="never" nodeType="tmRoot"/>
-      </p:par>
-    </p:tnLst>
-  </p:timing>
 </p:sld>
 </file>
 
-<file path=ppt/slides/slide9.xml><?xml version="1.0" encoding="utf-8"?>
+<file path=ppt/slides/slide8.xml><?xml version="1.0" encoding="utf-8"?>
 <p:sld xmlns:a="http://schemas.openxmlformats.org/drawingml/2006/main" xmlns:r="http://schemas.openxmlformats.org/officeDocument/2006/relationships" xmlns:p="http://schemas.openxmlformats.org/presentationml/2006/main">
   <p:cSld>
     <p:spTree>
@@ -26419,10 +25662,9 @@
           <a:lstStyle/>
           <a:p>
             <a:r>
-              <a:rPr lang="en-IN" u="sng" dirty="0" smtClean="0"/>
+              <a:rPr lang="en-IN" u="sng" dirty="0"/>
               <a:t>Task-view page</a:t>
             </a:r>
-            <a:endParaRPr lang="en-IN" u="sng" dirty="0"/>
           </a:p>
         </p:txBody>
       </p:sp>
@@ -26436,21 +25678,145 @@
   <p:clrMapOvr>
     <a:masterClrMapping/>
   </p:clrMapOvr>
-  <mc:AlternateContent xmlns:mc="http://schemas.openxmlformats.org/markup-compatibility/2006">
-    <mc:Choice xmlns:p14="http://schemas.microsoft.com/office/powerpoint/2010/main" Requires="p14">
+  <mc:AlternateContent xmlns:mc="http://schemas.openxmlformats.org/markup-compatibility/2006" xmlns:p14="http://schemas.microsoft.com/office/powerpoint/2010/main">
+    <mc:Choice Requires="p14">
       <p:transition spd="slow" p14:dur="2000" advTm="5441"/>
     </mc:Choice>
-    <mc:Fallback>
+    <mc:Fallback xmlns="">
       <p:transition spd="slow" advTm="5441"/>
     </mc:Fallback>
   </mc:AlternateContent>
-  <p:timing>
-    <p:tnLst>
-      <p:par>
-        <p:cTn id="1" dur="indefinite" restart="never" nodeType="tmRoot"/>
-      </p:par>
-    </p:tnLst>
-  </p:timing>
+</p:sld>
+</file>
+
+<file path=ppt/slides/slide9.xml><?xml version="1.0" encoding="utf-8"?>
+<p:sld xmlns:a="http://schemas.openxmlformats.org/drawingml/2006/main" xmlns:r="http://schemas.openxmlformats.org/officeDocument/2006/relationships" xmlns:p="http://schemas.openxmlformats.org/presentationml/2006/main">
+  <p:cSld>
+    <p:spTree>
+      <p:nvGrpSpPr>
+        <p:cNvPr id="1" name=""/>
+        <p:cNvGrpSpPr/>
+        <p:nvPr/>
+      </p:nvGrpSpPr>
+      <p:grpSpPr>
+        <a:xfrm>
+          <a:off x="0" y="0"/>
+          <a:ext cx="0" cy="0"/>
+          <a:chOff x="0" y="0"/>
+          <a:chExt cx="0" cy="0"/>
+        </a:xfrm>
+      </p:grpSpPr>
+      <p:sp>
+        <p:nvSpPr>
+          <p:cNvPr id="2" name="Title 1"/>
+          <p:cNvSpPr>
+            <a:spLocks noGrp="1"/>
+          </p:cNvSpPr>
+          <p:nvPr>
+            <p:ph type="title"/>
+          </p:nvPr>
+        </p:nvSpPr>
+        <p:spPr/>
+        <p:txBody>
+          <a:bodyPr/>
+          <a:lstStyle/>
+          <a:p>
+            <a:r>
+              <a:rPr lang="en-IN" dirty="0"/>
+              <a:t>Future Enhancement </a:t>
+            </a:r>
+          </a:p>
+        </p:txBody>
+      </p:sp>
+      <p:sp>
+        <p:nvSpPr>
+          <p:cNvPr id="3" name="Content Placeholder 2"/>
+          <p:cNvSpPr>
+            <a:spLocks noGrp="1"/>
+          </p:cNvSpPr>
+          <p:nvPr>
+            <p:ph idx="1"/>
+          </p:nvPr>
+        </p:nvSpPr>
+        <p:spPr>
+          <a:xfrm>
+            <a:off x="913794" y="2096064"/>
+            <a:ext cx="10691184" cy="3695136"/>
+          </a:xfrm>
+        </p:spPr>
+        <p:txBody>
+          <a:bodyPr>
+            <a:normAutofit fontScale="92500"/>
+          </a:bodyPr>
+          <a:lstStyle/>
+          <a:p>
+            <a:r>
+              <a:rPr lang="en-IN" dirty="0">
+                <a:effectLst/>
+              </a:rPr>
+              <a:t>Collaborative To-Do Lists: Enable users to share and collaborate on to-do </a:t>
+            </a:r>
+          </a:p>
+          <a:p>
+            <a:pPr marL="0" indent="0">
+              <a:buNone/>
+            </a:pPr>
+            <a:r>
+              <a:rPr lang="en-IN" dirty="0">
+                <a:effectLst/>
+              </a:rPr>
+              <a:t>    lists with other users, allowing for teamwork and task delegation.</a:t>
+            </a:r>
+          </a:p>
+          <a:p>
+            <a:r>
+              <a:rPr lang="en-IN" dirty="0">
+                <a:effectLst/>
+              </a:rPr>
+              <a:t>Attachments and Comments: Allow users to attach files or add comments to their tasks for additional context or information.</a:t>
+            </a:r>
+          </a:p>
+          <a:p>
+            <a:r>
+              <a:rPr lang="en-IN" dirty="0">
+                <a:effectLst/>
+              </a:rPr>
+              <a:t>Integration with Calendar and Email: Integrate the application with popular calendar and email platforms to sync tasks and events seamlessly across multiple devices and platforms.</a:t>
+            </a:r>
+          </a:p>
+          <a:p>
+            <a:r>
+              <a:rPr lang="en-IN" dirty="0">
+                <a:effectLst/>
+              </a:rPr>
+              <a:t>Data Backup and Restore: Implement data backup and restore functionality to prevent data loss and allow users to recover their </a:t>
+            </a:r>
+            <a:r>
+              <a:rPr lang="en-IN" dirty="0" err="1">
+                <a:effectLst/>
+              </a:rPr>
+              <a:t>todo</a:t>
+            </a:r>
+            <a:r>
+              <a:rPr lang="en-IN" dirty="0">
+                <a:effectLst/>
+              </a:rPr>
+              <a:t> lists in case of accidental deletion or device failure.</a:t>
+            </a:r>
+            <a:endParaRPr lang="en-IN" dirty="0"/>
+          </a:p>
+        </p:txBody>
+      </p:sp>
+    </p:spTree>
+    <p:extLst>
+      <p:ext uri="{BB962C8B-B14F-4D97-AF65-F5344CB8AC3E}">
+        <p14:creationId xmlns:p14="http://schemas.microsoft.com/office/powerpoint/2010/main" val="1637352222"/>
+      </p:ext>
+    </p:extLst>
+  </p:cSld>
+  <p:clrMapOvr>
+    <a:masterClrMapping/>
+  </p:clrMapOvr>
 </p:sld>
 </file>
 
